--- a/Presentation/16-HOL-Teams.pptx
+++ b/Presentation/16-HOL-Teams.pptx
@@ -6,15 +6,18 @@
     <p:sldMasterId id="2147484229" r:id="rId5"/>
   </p:sldMasterIdLst>
   <p:notesMasterIdLst>
-    <p:notesMasterId r:id="rId9"/>
+    <p:notesMasterId r:id="rId12"/>
   </p:notesMasterIdLst>
   <p:handoutMasterIdLst>
-    <p:handoutMasterId r:id="rId10"/>
+    <p:handoutMasterId r:id="rId13"/>
   </p:handoutMasterIdLst>
   <p:sldIdLst>
     <p:sldId id="256" r:id="rId6"/>
-    <p:sldId id="257" r:id="rId7"/>
-    <p:sldId id="258" r:id="rId8"/>
+    <p:sldId id="259" r:id="rId7"/>
+    <p:sldId id="260" r:id="rId8"/>
+    <p:sldId id="261" r:id="rId9"/>
+    <p:sldId id="257" r:id="rId10"/>
+    <p:sldId id="258" r:id="rId11"/>
   </p:sldIdLst>
   <p:sldSz cx="12436475" cy="6994525"/>
   <p:notesSz cx="6858000" cy="9144000"/>
@@ -122,7 +125,11 @@
           </p14:sldIdLst>
         </p14:section>
         <p14:section name="White Template" id="{5B0B8DFF-57E5-4D4B-BA72-542DF84B8E2F}">
-          <p14:sldIdLst/>
+          <p14:sldIdLst>
+            <p14:sldId id="259"/>
+            <p14:sldId id="260"/>
+            <p14:sldId id="261"/>
+          </p14:sldIdLst>
         </p14:section>
         <p14:section name="Color Template" id="{A073DAE3-B461-442F-A3D3-6642BD875E45}">
           <p14:sldIdLst>
@@ -267,7 +274,7 @@
               <a:rPr lang="en-US" smtClean="0">
                 <a:latin typeface="Segoe UI" pitchFamily="34" charset="0"/>
               </a:rPr>
-              <a:t>6/1/2017 12:24 AM</a:t>
+              <a:t>6/1/2017 6:48 PM</a:t>
             </a:fld>
             <a:endParaRPr lang="en-US" dirty="0">
               <a:latin typeface="Segoe UI" pitchFamily="34" charset="0"/>
@@ -545,7 +552,7 @@
           <a:p>
             <a:fld id="{5A9E72A3-73C3-4EC0-976B-555052BC0BC2}" type="datetime8">
               <a:rPr lang="en-US" smtClean="0"/>
-              <a:t>6/1/2017 12:24 AM</a:t>
+              <a:t>6/1/2017 6:48 PM</a:t>
             </a:fld>
             <a:endParaRPr lang="en-US" dirty="0"/>
           </a:p>
@@ -951,7 +958,7 @@
                 <a:tabLst/>
                 <a:defRPr/>
               </a:pPr>
-              <a:t>6/1/2017 12:24 AM</a:t>
+              <a:t>6/1/2017 6:48 PM</a:t>
             </a:fld>
             <a:endParaRPr kumimoji="0" lang="en-US" sz="1200" b="0" i="0" u="none" strike="noStrike" kern="1200" cap="none" spc="0" normalizeH="0" baseline="0" noProof="0" dirty="0">
               <a:ln>
@@ -1309,7 +1316,7 @@
                 <a:tabLst/>
                 <a:defRPr/>
               </a:pPr>
-              <a:t>6/1/2017 12:24 AM</a:t>
+              <a:t>6/1/2017 6:48 PM</a:t>
             </a:fld>
             <a:endParaRPr kumimoji="0" lang="en-US" sz="1200" b="0" i="0" u="none" strike="noStrike" kern="1200" cap="none" spc="0" normalizeH="0" baseline="0" noProof="0" dirty="0">
               <a:ln>
@@ -1392,7 +1399,7 @@
                 <a:tabLst/>
                 <a:defRPr/>
               </a:pPr>
-              <a:t>2</a:t>
+              <a:t>5</a:t>
             </a:fld>
             <a:endParaRPr kumimoji="0" lang="en-US" sz="1200" b="0" i="0" u="none" strike="noStrike" kern="1200" cap="none" spc="0" normalizeH="0" baseline="0" noProof="0" dirty="0">
               <a:ln>
@@ -1682,7 +1689,7 @@
                 <a:tabLst/>
                 <a:defRPr/>
               </a:pPr>
-              <a:t>6/1/2017 12:24 AM</a:t>
+              <a:t>6/1/2017 6:48 PM</a:t>
             </a:fld>
             <a:endParaRPr kumimoji="0" lang="en-US" sz="1200" b="0" i="0" u="none" strike="noStrike" kern="1200" cap="none" spc="0" normalizeH="0" baseline="0" noProof="0" dirty="0">
               <a:ln>
@@ -1765,7 +1772,7 @@
                 <a:tabLst/>
                 <a:defRPr/>
               </a:pPr>
-              <a:t>3</a:t>
+              <a:t>6</a:t>
             </a:fld>
             <a:endParaRPr kumimoji="0" lang="en-US" sz="1200" b="0" i="0" u="none" strike="noStrike" kern="1200" cap="none" spc="0" normalizeH="0" baseline="0" noProof="0" dirty="0">
               <a:ln>
@@ -14695,6 +14702,269 @@
       </p:grpSpPr>
       <p:sp>
         <p:nvSpPr>
+          <p:cNvPr id="4" name="Title 3"/>
+          <p:cNvSpPr>
+            <a:spLocks noGrp="1"/>
+          </p:cNvSpPr>
+          <p:nvPr>
+            <p:ph type="title"/>
+          </p:nvPr>
+        </p:nvSpPr>
+        <p:spPr/>
+        <p:txBody>
+          <a:bodyPr/>
+          <a:lstStyle/>
+          <a:p>
+            <a:r>
+              <a:rPr lang="en-US" dirty="0"/>
+              <a:t>Agenda</a:t>
+            </a:r>
+          </a:p>
+        </p:txBody>
+      </p:sp>
+      <p:sp>
+        <p:nvSpPr>
+          <p:cNvPr id="5" name="Text Placeholder 4"/>
+          <p:cNvSpPr>
+            <a:spLocks noGrp="1"/>
+          </p:cNvSpPr>
+          <p:nvPr>
+            <p:ph type="body" sz="quarter" idx="10"/>
+          </p:nvPr>
+        </p:nvSpPr>
+        <p:spPr>
+          <a:xfrm>
+            <a:off x="274638" y="1212850"/>
+            <a:ext cx="11887200" cy="2769989"/>
+          </a:xfrm>
+        </p:spPr>
+        <p:txBody>
+          <a:bodyPr/>
+          <a:lstStyle/>
+          <a:p>
+            <a:r>
+              <a:rPr lang="en-US" dirty="0"/>
+              <a:t>Code samples</a:t>
+            </a:r>
+          </a:p>
+          <a:p>
+            <a:r>
+              <a:rPr lang="en-US" dirty="0"/>
+              <a:t>Bot sample</a:t>
+            </a:r>
+          </a:p>
+          <a:p>
+            <a:r>
+              <a:rPr lang="en-US" dirty="0"/>
+              <a:t>Connector</a:t>
+            </a:r>
+          </a:p>
+          <a:p>
+            <a:endParaRPr lang="en-US" dirty="0"/>
+          </a:p>
+        </p:txBody>
+      </p:sp>
+    </p:spTree>
+    <p:extLst>
+      <p:ext uri="{BB962C8B-B14F-4D97-AF65-F5344CB8AC3E}">
+        <p14:creationId xmlns:p14="http://schemas.microsoft.com/office/powerpoint/2010/main" val="2858742429"/>
+      </p:ext>
+    </p:extLst>
+  </p:cSld>
+  <p:clrMapOvr>
+    <a:masterClrMapping/>
+  </p:clrMapOvr>
+  <p:transition>
+    <p:fade/>
+  </p:transition>
+</p:sld>
+</file>
+
+<file path=ppt/slides/slide3.xml><?xml version="1.0" encoding="utf-8"?>
+<p:sld xmlns:a="http://schemas.openxmlformats.org/drawingml/2006/main" xmlns:r="http://schemas.openxmlformats.org/officeDocument/2006/relationships" xmlns:p="http://schemas.openxmlformats.org/presentationml/2006/main">
+  <p:cSld>
+    <p:spTree>
+      <p:nvGrpSpPr>
+        <p:cNvPr id="1" name=""/>
+        <p:cNvGrpSpPr/>
+        <p:nvPr/>
+      </p:nvGrpSpPr>
+      <p:grpSpPr>
+        <a:xfrm>
+          <a:off x="0" y="0"/>
+          <a:ext cx="0" cy="0"/>
+          <a:chOff x="0" y="0"/>
+          <a:chExt cx="0" cy="0"/>
+        </a:xfrm>
+      </p:grpSpPr>
+      <p:sp>
+        <p:nvSpPr>
+          <p:cNvPr id="2" name="Title 1"/>
+          <p:cNvSpPr>
+            <a:spLocks noGrp="1"/>
+          </p:cNvSpPr>
+          <p:nvPr>
+            <p:ph type="title"/>
+          </p:nvPr>
+        </p:nvSpPr>
+        <p:spPr/>
+        <p:txBody>
+          <a:bodyPr/>
+          <a:lstStyle/>
+          <a:p>
+            <a:r>
+              <a:rPr lang="en-US" dirty="0"/>
+              <a:t>Links</a:t>
+            </a:r>
+          </a:p>
+        </p:txBody>
+      </p:sp>
+      <p:sp>
+        <p:nvSpPr>
+          <p:cNvPr id="3" name="Text Placeholder 2"/>
+          <p:cNvSpPr>
+            <a:spLocks noGrp="1"/>
+          </p:cNvSpPr>
+          <p:nvPr>
+            <p:ph type="body" sz="quarter" idx="10"/>
+          </p:nvPr>
+        </p:nvSpPr>
+        <p:spPr>
+          <a:xfrm>
+            <a:off x="274638" y="1212850"/>
+            <a:ext cx="11887200" cy="1969770"/>
+          </a:xfrm>
+        </p:spPr>
+        <p:txBody>
+          <a:bodyPr/>
+          <a:lstStyle/>
+          <a:p>
+            <a:r>
+              <a:rPr lang="en-US" dirty="0">
+                <a:hlinkClick r:id="rId2"/>
+              </a:rPr>
+              <a:t>https://msdn.microsoft.com/en-us/microsoft-teams/teamsapps</a:t>
+            </a:r>
+            <a:endParaRPr lang="en-US" dirty="0"/>
+          </a:p>
+          <a:p>
+            <a:endParaRPr lang="en-US" dirty="0"/>
+          </a:p>
+        </p:txBody>
+      </p:sp>
+    </p:spTree>
+    <p:extLst>
+      <p:ext uri="{BB962C8B-B14F-4D97-AF65-F5344CB8AC3E}">
+        <p14:creationId xmlns:p14="http://schemas.microsoft.com/office/powerpoint/2010/main" val="2139495807"/>
+      </p:ext>
+    </p:extLst>
+  </p:cSld>
+  <p:clrMapOvr>
+    <a:masterClrMapping/>
+  </p:clrMapOvr>
+  <p:transition>
+    <p:fade/>
+  </p:transition>
+</p:sld>
+</file>
+
+<file path=ppt/slides/slide4.xml><?xml version="1.0" encoding="utf-8"?>
+<p:sld xmlns:a="http://schemas.openxmlformats.org/drawingml/2006/main" xmlns:r="http://schemas.openxmlformats.org/officeDocument/2006/relationships" xmlns:p="http://schemas.openxmlformats.org/presentationml/2006/main">
+  <p:cSld>
+    <p:spTree>
+      <p:nvGrpSpPr>
+        <p:cNvPr id="1" name=""/>
+        <p:cNvGrpSpPr/>
+        <p:nvPr/>
+      </p:nvGrpSpPr>
+      <p:grpSpPr>
+        <a:xfrm>
+          <a:off x="0" y="0"/>
+          <a:ext cx="0" cy="0"/>
+          <a:chOff x="0" y="0"/>
+          <a:chExt cx="0" cy="0"/>
+        </a:xfrm>
+      </p:grpSpPr>
+      <p:sp>
+        <p:nvSpPr>
+          <p:cNvPr id="2" name="Title 1"/>
+          <p:cNvSpPr>
+            <a:spLocks noGrp="1"/>
+          </p:cNvSpPr>
+          <p:nvPr>
+            <p:ph type="title"/>
+          </p:nvPr>
+        </p:nvSpPr>
+        <p:spPr/>
+        <p:txBody>
+          <a:bodyPr/>
+          <a:lstStyle/>
+          <a:p>
+            <a:r>
+              <a:rPr lang="en-US" dirty="0" err="1"/>
+              <a:t>Sideloading</a:t>
+            </a:r>
+            <a:r>
+              <a:rPr lang="en-US" dirty="0"/>
+              <a:t> your app in a team</a:t>
+            </a:r>
+          </a:p>
+        </p:txBody>
+      </p:sp>
+      <p:sp>
+        <p:nvSpPr>
+          <p:cNvPr id="3" name="Text Placeholder 2"/>
+          <p:cNvSpPr>
+            <a:spLocks noGrp="1"/>
+          </p:cNvSpPr>
+          <p:nvPr>
+            <p:ph type="body" sz="quarter" idx="10"/>
+          </p:nvPr>
+        </p:nvSpPr>
+        <p:spPr/>
+        <p:txBody>
+          <a:bodyPr/>
+          <a:lstStyle/>
+          <a:p>
+            <a:endParaRPr lang="en-US" dirty="0"/>
+          </a:p>
+        </p:txBody>
+      </p:sp>
+    </p:spTree>
+    <p:extLst>
+      <p:ext uri="{BB962C8B-B14F-4D97-AF65-F5344CB8AC3E}">
+        <p14:creationId xmlns:p14="http://schemas.microsoft.com/office/powerpoint/2010/main" val="2823141250"/>
+      </p:ext>
+    </p:extLst>
+  </p:cSld>
+  <p:clrMapOvr>
+    <a:masterClrMapping/>
+  </p:clrMapOvr>
+  <p:transition>
+    <p:fade/>
+  </p:transition>
+</p:sld>
+</file>
+
+<file path=ppt/slides/slide5.xml><?xml version="1.0" encoding="utf-8"?>
+<p:sld xmlns:a="http://schemas.openxmlformats.org/drawingml/2006/main" xmlns:r="http://schemas.openxmlformats.org/officeDocument/2006/relationships" xmlns:p="http://schemas.openxmlformats.org/presentationml/2006/main">
+  <p:cSld>
+    <p:spTree>
+      <p:nvGrpSpPr>
+        <p:cNvPr id="1" name=""/>
+        <p:cNvGrpSpPr/>
+        <p:nvPr/>
+      </p:nvGrpSpPr>
+      <p:grpSpPr>
+        <a:xfrm>
+          <a:off x="0" y="0"/>
+          <a:ext cx="0" cy="0"/>
+          <a:chOff x="0" y="0"/>
+          <a:chExt cx="0" cy="0"/>
+        </a:xfrm>
+      </p:grpSpPr>
+      <p:sp>
+        <p:nvSpPr>
           <p:cNvPr id="2" name="Title 1"/>
           <p:cNvSpPr>
             <a:spLocks noGrp="1"/>
@@ -14755,7 +15025,7 @@
 </p:sld>
 </file>
 
-<file path=ppt/slides/slide3.xml><?xml version="1.0" encoding="utf-8"?>
+<file path=ppt/slides/slide6.xml><?xml version="1.0" encoding="utf-8"?>
 <p:sld xmlns:a="http://schemas.openxmlformats.org/drawingml/2006/main" xmlns:r="http://schemas.openxmlformats.org/officeDocument/2006/relationships" xmlns:p="http://schemas.openxmlformats.org/presentationml/2006/main">
   <p:cSld>
     <p:spTree>
@@ -15968,21 +16238,6 @@
 </file>
 
 <file path=customXml/item1.xml><?xml version="1.0" encoding="utf-8"?>
-<p:properties xmlns:p="http://schemas.microsoft.com/office/2006/metadata/properties" xmlns:xsi="http://www.w3.org/2001/XMLSchema-instance" xmlns:pc="http://schemas.microsoft.com/office/infopath/2007/PartnerControls">
-  <documentManagement/>
-</p:properties>
-</file>
-
-<file path=customXml/item2.xml><?xml version="1.0" encoding="utf-8"?>
-<?mso-contentType ?>
-<FormTemplates xmlns="http://schemas.microsoft.com/sharepoint/v3/contenttype/forms">
-  <Display>DocumentLibraryForm</Display>
-  <Edit>DocumentLibraryForm</Edit>
-  <New>DocumentLibraryForm</New>
-</FormTemplates>
-</file>
-
-<file path=customXml/item3.xml><?xml version="1.0" encoding="utf-8"?>
 <ct:contentTypeSchema xmlns:ct="http://schemas.microsoft.com/office/2006/metadata/contentType" xmlns:ma="http://schemas.microsoft.com/office/2006/metadata/properties/metaAttributes" ct:_="" ma:_="" ma:contentTypeName="Document" ma:contentTypeID="0x010100A2B0BB5962AB3C45A9A1CE1EC4C4F647" ma:contentTypeVersion="3" ma:contentTypeDescription="Create a new document." ma:contentTypeScope="" ma:versionID="f0876370c90de824ab54c09b0bd2a056">
   <xsd:schema xmlns:xsd="http://www.w3.org/2001/XMLSchema" xmlns:xs="http://www.w3.org/2001/XMLSchema" xmlns:p="http://schemas.microsoft.com/office/2006/metadata/properties" xmlns:ns3="630a2e83-186a-4a0f-ab27-bee8a8096abc" targetNamespace="http://schemas.microsoft.com/office/2006/metadata/properties" ma:root="true" ma:fieldsID="a2a3b5ed8b4accd7c8a398d0cb075271" ns3:_="">
     <xsd:import namespace="630a2e83-186a-4a0f-ab27-bee8a8096abc"/>
@@ -16136,31 +16391,22 @@
 </ct:contentTypeSchema>
 </file>
 
-<file path=customXml/itemProps1.xml><?xml version="1.0" encoding="utf-8"?>
-<ds:datastoreItem xmlns:ds="http://schemas.openxmlformats.org/officeDocument/2006/customXml" ds:itemID="{F990F116-B58F-4255-B05B-DA3808E0E5C6}">
-  <ds:schemaRefs>
-    <ds:schemaRef ds:uri="http://schemas.microsoft.com/office/2006/metadata/properties"/>
-    <ds:schemaRef ds:uri="http://purl.org/dc/terms/"/>
-    <ds:schemaRef ds:uri="http://schemas.openxmlformats.org/package/2006/metadata/core-properties"/>
-    <ds:schemaRef ds:uri="630a2e83-186a-4a0f-ab27-bee8a8096abc"/>
-    <ds:schemaRef ds:uri="http://schemas.microsoft.com/office/2006/documentManagement/types"/>
-    <ds:schemaRef ds:uri="http://schemas.microsoft.com/office/infopath/2007/PartnerControls"/>
-    <ds:schemaRef ds:uri="http://purl.org/dc/elements/1.1/"/>
-    <ds:schemaRef ds:uri="http://www.w3.org/XML/1998/namespace"/>
-    <ds:schemaRef ds:uri="http://purl.org/dc/dcmitype/"/>
-  </ds:schemaRefs>
-</ds:datastoreItem>
+<file path=customXml/item2.xml><?xml version="1.0" encoding="utf-8"?>
+<?mso-contentType ?>
+<FormTemplates xmlns="http://schemas.microsoft.com/sharepoint/v3/contenttype/forms">
+  <Display>DocumentLibraryForm</Display>
+  <Edit>DocumentLibraryForm</Edit>
+  <New>DocumentLibraryForm</New>
+</FormTemplates>
 </file>
 
-<file path=customXml/itemProps2.xml><?xml version="1.0" encoding="utf-8"?>
-<ds:datastoreItem xmlns:ds="http://schemas.openxmlformats.org/officeDocument/2006/customXml" ds:itemID="{758FDAC0-319D-4A54-8D8E-1D42CB1F8004}">
-  <ds:schemaRefs>
-    <ds:schemaRef ds:uri="http://schemas.microsoft.com/sharepoint/v3/contenttype/forms"/>
-  </ds:schemaRefs>
-</ds:datastoreItem>
+<file path=customXml/item3.xml><?xml version="1.0" encoding="utf-8"?>
+<p:properties xmlns:p="http://schemas.microsoft.com/office/2006/metadata/properties" xmlns:xsi="http://www.w3.org/2001/XMLSchema-instance" xmlns:pc="http://schemas.microsoft.com/office/infopath/2007/PartnerControls">
+  <documentManagement/>
+</p:properties>
 </file>
 
-<file path=customXml/itemProps3.xml><?xml version="1.0" encoding="utf-8"?>
+<file path=customXml/itemProps1.xml><?xml version="1.0" encoding="utf-8"?>
 <ds:datastoreItem xmlns:ds="http://schemas.openxmlformats.org/officeDocument/2006/customXml" ds:itemID="{F4553072-E538-48C4-90FC-3653F32D67C5}">
   <ds:schemaRefs>
     <ds:schemaRef ds:uri="http://schemas.microsoft.com/office/2006/metadata/contentType"/>
@@ -16176,4 +16422,28 @@
     <ds:schemaRef ds:uri="http://schemas.microsoft.com/internal/obd"/>
   </ds:schemaRefs>
 </ds:datastoreItem>
+</file>
+
+<file path=customXml/itemProps2.xml><?xml version="1.0" encoding="utf-8"?>
+<ds:datastoreItem xmlns:ds="http://schemas.openxmlformats.org/officeDocument/2006/customXml" ds:itemID="{758FDAC0-319D-4A54-8D8E-1D42CB1F8004}">
+  <ds:schemaRefs>
+    <ds:schemaRef ds:uri="http://schemas.microsoft.com/sharepoint/v3/contenttype/forms"/>
+  </ds:schemaRefs>
+</ds:datastoreItem>
+</file>
+
+<file path=customXml/itemProps3.xml><?xml version="1.0" encoding="utf-8"?>
+<ds:datastoreItem xmlns:ds="http://schemas.openxmlformats.org/officeDocument/2006/customXml" ds:itemID="{F990F116-B58F-4255-B05B-DA3808E0E5C6}">
+  <ds:schemaRefs>
+    <ds:schemaRef ds:uri="http://schemas.microsoft.com/office/2006/metadata/properties"/>
+    <ds:schemaRef ds:uri="http://purl.org/dc/terms/"/>
+    <ds:schemaRef ds:uri="http://schemas.openxmlformats.org/package/2006/metadata/core-properties"/>
+    <ds:schemaRef ds:uri="630a2e83-186a-4a0f-ab27-bee8a8096abc"/>
+    <ds:schemaRef ds:uri="http://schemas.microsoft.com/office/2006/documentManagement/types"/>
+    <ds:schemaRef ds:uri="http://schemas.microsoft.com/office/infopath/2007/PartnerControls"/>
+    <ds:schemaRef ds:uri="http://purl.org/dc/elements/1.1/"/>
+    <ds:schemaRef ds:uri="http://www.w3.org/XML/1998/namespace"/>
+    <ds:schemaRef ds:uri="http://purl.org/dc/dcmitype/"/>
+  </ds:schemaRefs>
+</ds:datastoreItem>
 </file>
--- a/Presentation/16-HOL-Teams.pptx
+++ b/Presentation/16-HOL-Teams.pptx
@@ -14,8 +14,8 @@
   <p:sldIdLst>
     <p:sldId id="256" r:id="rId6"/>
     <p:sldId id="259" r:id="rId7"/>
-    <p:sldId id="260" r:id="rId8"/>
-    <p:sldId id="261" r:id="rId9"/>
+    <p:sldId id="262" r:id="rId8"/>
+    <p:sldId id="260" r:id="rId9"/>
     <p:sldId id="257" r:id="rId10"/>
     <p:sldId id="258" r:id="rId11"/>
   </p:sldIdLst>
@@ -127,8 +127,8 @@
         <p14:section name="White Template" id="{5B0B8DFF-57E5-4D4B-BA72-542DF84B8E2F}">
           <p14:sldIdLst>
             <p14:sldId id="259"/>
+            <p14:sldId id="262"/>
             <p14:sldId id="260"/>
-            <p14:sldId id="261"/>
           </p14:sldIdLst>
         </p14:section>
         <p14:section name="Color Template" id="{A073DAE3-B461-442F-A3D3-6642BD875E45}">
@@ -188,6 +188,2876 @@
 <p1510:revInfo xmlns:a="http://schemas.openxmlformats.org/drawingml/2006/main" xmlns:r="http://schemas.openxmlformats.org/officeDocument/2006/relationships" xmlns:p1510="http://schemas.microsoft.com/office/powerpoint/2015/10/main"/>
 </file>
 
+<file path=ppt/diagrams/colors1.xml><?xml version="1.0" encoding="utf-8"?>
+<dgm:colorsDef xmlns:dgm="http://schemas.openxmlformats.org/drawingml/2006/diagram" xmlns:a="http://schemas.openxmlformats.org/drawingml/2006/main" uniqueId="urn:microsoft.com/office/officeart/2005/8/colors/accent1_2">
+  <dgm:title val=""/>
+  <dgm:desc val=""/>
+  <dgm:catLst>
+    <dgm:cat type="accent1" pri="11200"/>
+  </dgm:catLst>
+  <dgm:styleLbl name="node0">
+    <dgm:fillClrLst meth="repeat">
+      <a:schemeClr val="accent1"/>
+    </dgm:fillClrLst>
+    <dgm:linClrLst meth="repeat">
+      <a:schemeClr val="lt1"/>
+    </dgm:linClrLst>
+    <dgm:effectClrLst/>
+    <dgm:txLinClrLst/>
+    <dgm:txFillClrLst/>
+    <dgm:txEffectClrLst/>
+  </dgm:styleLbl>
+  <dgm:styleLbl name="alignNode1">
+    <dgm:fillClrLst meth="repeat">
+      <a:schemeClr val="accent1"/>
+    </dgm:fillClrLst>
+    <dgm:linClrLst meth="repeat">
+      <a:schemeClr val="accent1"/>
+    </dgm:linClrLst>
+    <dgm:effectClrLst/>
+    <dgm:txLinClrLst/>
+    <dgm:txFillClrLst/>
+    <dgm:txEffectClrLst/>
+  </dgm:styleLbl>
+  <dgm:styleLbl name="node1">
+    <dgm:fillClrLst meth="repeat">
+      <a:schemeClr val="accent1"/>
+    </dgm:fillClrLst>
+    <dgm:linClrLst meth="repeat">
+      <a:schemeClr val="lt1"/>
+    </dgm:linClrLst>
+    <dgm:effectClrLst/>
+    <dgm:txLinClrLst/>
+    <dgm:txFillClrLst/>
+    <dgm:txEffectClrLst/>
+  </dgm:styleLbl>
+  <dgm:styleLbl name="lnNode1">
+    <dgm:fillClrLst meth="repeat">
+      <a:schemeClr val="accent1"/>
+    </dgm:fillClrLst>
+    <dgm:linClrLst meth="repeat">
+      <a:schemeClr val="lt1"/>
+    </dgm:linClrLst>
+    <dgm:effectClrLst/>
+    <dgm:txLinClrLst/>
+    <dgm:txFillClrLst/>
+    <dgm:txEffectClrLst/>
+  </dgm:styleLbl>
+  <dgm:styleLbl name="vennNode1">
+    <dgm:fillClrLst meth="repeat">
+      <a:schemeClr val="accent1">
+        <a:alpha val="50000"/>
+      </a:schemeClr>
+    </dgm:fillClrLst>
+    <dgm:linClrLst meth="repeat">
+      <a:schemeClr val="lt1"/>
+    </dgm:linClrLst>
+    <dgm:effectClrLst/>
+    <dgm:txLinClrLst/>
+    <dgm:txFillClrLst/>
+    <dgm:txEffectClrLst/>
+  </dgm:styleLbl>
+  <dgm:styleLbl name="node2">
+    <dgm:fillClrLst meth="repeat">
+      <a:schemeClr val="accent1"/>
+    </dgm:fillClrLst>
+    <dgm:linClrLst meth="repeat">
+      <a:schemeClr val="lt1"/>
+    </dgm:linClrLst>
+    <dgm:effectClrLst/>
+    <dgm:txLinClrLst/>
+    <dgm:txFillClrLst/>
+    <dgm:txEffectClrLst/>
+  </dgm:styleLbl>
+  <dgm:styleLbl name="node3">
+    <dgm:fillClrLst meth="repeat">
+      <a:schemeClr val="accent1"/>
+    </dgm:fillClrLst>
+    <dgm:linClrLst meth="repeat">
+      <a:schemeClr val="lt1"/>
+    </dgm:linClrLst>
+    <dgm:effectClrLst/>
+    <dgm:txLinClrLst/>
+    <dgm:txFillClrLst/>
+    <dgm:txEffectClrLst/>
+  </dgm:styleLbl>
+  <dgm:styleLbl name="node4">
+    <dgm:fillClrLst meth="repeat">
+      <a:schemeClr val="accent1"/>
+    </dgm:fillClrLst>
+    <dgm:linClrLst meth="repeat">
+      <a:schemeClr val="lt1"/>
+    </dgm:linClrLst>
+    <dgm:effectClrLst/>
+    <dgm:txLinClrLst/>
+    <dgm:txFillClrLst/>
+    <dgm:txEffectClrLst/>
+  </dgm:styleLbl>
+  <dgm:styleLbl name="fgImgPlace1">
+    <dgm:fillClrLst meth="repeat">
+      <a:schemeClr val="accent1">
+        <a:tint val="50000"/>
+      </a:schemeClr>
+    </dgm:fillClrLst>
+    <dgm:linClrLst meth="repeat">
+      <a:schemeClr val="lt1"/>
+    </dgm:linClrLst>
+    <dgm:effectClrLst/>
+    <dgm:txLinClrLst/>
+    <dgm:txFillClrLst meth="repeat">
+      <a:schemeClr val="lt1"/>
+    </dgm:txFillClrLst>
+    <dgm:txEffectClrLst/>
+  </dgm:styleLbl>
+  <dgm:styleLbl name="alignImgPlace1">
+    <dgm:fillClrLst meth="repeat">
+      <a:schemeClr val="accent1">
+        <a:tint val="50000"/>
+      </a:schemeClr>
+    </dgm:fillClrLst>
+    <dgm:linClrLst meth="repeat">
+      <a:schemeClr val="lt1"/>
+    </dgm:linClrLst>
+    <dgm:effectClrLst/>
+    <dgm:txLinClrLst/>
+    <dgm:txFillClrLst meth="repeat">
+      <a:schemeClr val="lt1"/>
+    </dgm:txFillClrLst>
+    <dgm:txEffectClrLst/>
+  </dgm:styleLbl>
+  <dgm:styleLbl name="bgImgPlace1">
+    <dgm:fillClrLst meth="repeat">
+      <a:schemeClr val="accent1">
+        <a:tint val="50000"/>
+      </a:schemeClr>
+    </dgm:fillClrLst>
+    <dgm:linClrLst meth="repeat">
+      <a:schemeClr val="lt1"/>
+    </dgm:linClrLst>
+    <dgm:effectClrLst/>
+    <dgm:txLinClrLst/>
+    <dgm:txFillClrLst meth="repeat">
+      <a:schemeClr val="lt1"/>
+    </dgm:txFillClrLst>
+    <dgm:txEffectClrLst/>
+  </dgm:styleLbl>
+  <dgm:styleLbl name="sibTrans2D1">
+    <dgm:fillClrLst meth="repeat">
+      <a:schemeClr val="accent1">
+        <a:tint val="60000"/>
+      </a:schemeClr>
+    </dgm:fillClrLst>
+    <dgm:linClrLst meth="repeat">
+      <a:schemeClr val="accent1">
+        <a:tint val="60000"/>
+      </a:schemeClr>
+    </dgm:linClrLst>
+    <dgm:effectClrLst/>
+    <dgm:txLinClrLst/>
+    <dgm:txFillClrLst/>
+    <dgm:txEffectClrLst/>
+  </dgm:styleLbl>
+  <dgm:styleLbl name="fgSibTrans2D1">
+    <dgm:fillClrLst meth="repeat">
+      <a:schemeClr val="accent1">
+        <a:tint val="60000"/>
+      </a:schemeClr>
+    </dgm:fillClrLst>
+    <dgm:linClrLst meth="repeat">
+      <a:schemeClr val="accent1">
+        <a:tint val="60000"/>
+      </a:schemeClr>
+    </dgm:linClrLst>
+    <dgm:effectClrLst/>
+    <dgm:txLinClrLst/>
+    <dgm:txFillClrLst/>
+    <dgm:txEffectClrLst/>
+  </dgm:styleLbl>
+  <dgm:styleLbl name="bgSibTrans2D1">
+    <dgm:fillClrLst meth="repeat">
+      <a:schemeClr val="accent1">
+        <a:tint val="60000"/>
+      </a:schemeClr>
+    </dgm:fillClrLst>
+    <dgm:linClrLst meth="repeat">
+      <a:schemeClr val="accent1">
+        <a:tint val="60000"/>
+      </a:schemeClr>
+    </dgm:linClrLst>
+    <dgm:effectClrLst/>
+    <dgm:txLinClrLst/>
+    <dgm:txFillClrLst/>
+    <dgm:txEffectClrLst/>
+  </dgm:styleLbl>
+  <dgm:styleLbl name="sibTrans1D1">
+    <dgm:fillClrLst meth="repeat">
+      <a:schemeClr val="accent1"/>
+    </dgm:fillClrLst>
+    <dgm:linClrLst meth="repeat">
+      <a:schemeClr val="accent1"/>
+    </dgm:linClrLst>
+    <dgm:effectClrLst/>
+    <dgm:txLinClrLst/>
+    <dgm:txFillClrLst meth="repeat">
+      <a:schemeClr val="tx1"/>
+    </dgm:txFillClrLst>
+    <dgm:txEffectClrLst/>
+  </dgm:styleLbl>
+  <dgm:styleLbl name="callout">
+    <dgm:fillClrLst meth="repeat">
+      <a:schemeClr val="accent1"/>
+    </dgm:fillClrLst>
+    <dgm:linClrLst meth="repeat">
+      <a:schemeClr val="accent1">
+        <a:tint val="50000"/>
+      </a:schemeClr>
+    </dgm:linClrLst>
+    <dgm:effectClrLst/>
+    <dgm:txLinClrLst/>
+    <dgm:txFillClrLst meth="repeat">
+      <a:schemeClr val="tx1"/>
+    </dgm:txFillClrLst>
+    <dgm:txEffectClrLst/>
+  </dgm:styleLbl>
+  <dgm:styleLbl name="asst0">
+    <dgm:fillClrLst meth="repeat">
+      <a:schemeClr val="accent1"/>
+    </dgm:fillClrLst>
+    <dgm:linClrLst meth="repeat">
+      <a:schemeClr val="lt1"/>
+    </dgm:linClrLst>
+    <dgm:effectClrLst/>
+    <dgm:txLinClrLst/>
+    <dgm:txFillClrLst/>
+    <dgm:txEffectClrLst/>
+  </dgm:styleLbl>
+  <dgm:styleLbl name="asst1">
+    <dgm:fillClrLst meth="repeat">
+      <a:schemeClr val="accent1"/>
+    </dgm:fillClrLst>
+    <dgm:linClrLst meth="repeat">
+      <a:schemeClr val="lt1"/>
+    </dgm:linClrLst>
+    <dgm:effectClrLst/>
+    <dgm:txLinClrLst/>
+    <dgm:txFillClrLst/>
+    <dgm:txEffectClrLst/>
+  </dgm:styleLbl>
+  <dgm:styleLbl name="asst2">
+    <dgm:fillClrLst meth="repeat">
+      <a:schemeClr val="accent1"/>
+    </dgm:fillClrLst>
+    <dgm:linClrLst meth="repeat">
+      <a:schemeClr val="lt1"/>
+    </dgm:linClrLst>
+    <dgm:effectClrLst/>
+    <dgm:txLinClrLst/>
+    <dgm:txFillClrLst/>
+    <dgm:txEffectClrLst/>
+  </dgm:styleLbl>
+  <dgm:styleLbl name="asst3">
+    <dgm:fillClrLst meth="repeat">
+      <a:schemeClr val="accent1"/>
+    </dgm:fillClrLst>
+    <dgm:linClrLst meth="repeat">
+      <a:schemeClr val="lt1"/>
+    </dgm:linClrLst>
+    <dgm:effectClrLst/>
+    <dgm:txLinClrLst/>
+    <dgm:txFillClrLst/>
+    <dgm:txEffectClrLst/>
+  </dgm:styleLbl>
+  <dgm:styleLbl name="asst4">
+    <dgm:fillClrLst meth="repeat">
+      <a:schemeClr val="accent1"/>
+    </dgm:fillClrLst>
+    <dgm:linClrLst meth="repeat">
+      <a:schemeClr val="lt1"/>
+    </dgm:linClrLst>
+    <dgm:effectClrLst/>
+    <dgm:txLinClrLst/>
+    <dgm:txFillClrLst/>
+    <dgm:txEffectClrLst/>
+  </dgm:styleLbl>
+  <dgm:styleLbl name="parChTrans2D1">
+    <dgm:fillClrLst meth="repeat">
+      <a:schemeClr val="accent1">
+        <a:tint val="60000"/>
+      </a:schemeClr>
+    </dgm:fillClrLst>
+    <dgm:linClrLst meth="repeat">
+      <a:schemeClr val="accent1">
+        <a:tint val="60000"/>
+      </a:schemeClr>
+    </dgm:linClrLst>
+    <dgm:effectClrLst/>
+    <dgm:txLinClrLst/>
+    <dgm:txFillClrLst meth="repeat">
+      <a:schemeClr val="lt1"/>
+    </dgm:txFillClrLst>
+    <dgm:txEffectClrLst/>
+  </dgm:styleLbl>
+  <dgm:styleLbl name="parChTrans2D2">
+    <dgm:fillClrLst meth="repeat">
+      <a:schemeClr val="accent1"/>
+    </dgm:fillClrLst>
+    <dgm:linClrLst meth="repeat">
+      <a:schemeClr val="accent1"/>
+    </dgm:linClrLst>
+    <dgm:effectClrLst/>
+    <dgm:txLinClrLst/>
+    <dgm:txFillClrLst meth="repeat">
+      <a:schemeClr val="lt1"/>
+    </dgm:txFillClrLst>
+    <dgm:txEffectClrLst/>
+  </dgm:styleLbl>
+  <dgm:styleLbl name="parChTrans2D3">
+    <dgm:fillClrLst meth="repeat">
+      <a:schemeClr val="accent1"/>
+    </dgm:fillClrLst>
+    <dgm:linClrLst meth="repeat">
+      <a:schemeClr val="accent1"/>
+    </dgm:linClrLst>
+    <dgm:effectClrLst/>
+    <dgm:txLinClrLst/>
+    <dgm:txFillClrLst meth="repeat">
+      <a:schemeClr val="lt1"/>
+    </dgm:txFillClrLst>
+    <dgm:txEffectClrLst/>
+  </dgm:styleLbl>
+  <dgm:styleLbl name="parChTrans2D4">
+    <dgm:fillClrLst meth="repeat">
+      <a:schemeClr val="accent1"/>
+    </dgm:fillClrLst>
+    <dgm:linClrLst meth="repeat">
+      <a:schemeClr val="accent1"/>
+    </dgm:linClrLst>
+    <dgm:effectClrLst/>
+    <dgm:txLinClrLst/>
+    <dgm:txFillClrLst meth="repeat">
+      <a:schemeClr val="lt1"/>
+    </dgm:txFillClrLst>
+    <dgm:txEffectClrLst/>
+  </dgm:styleLbl>
+  <dgm:styleLbl name="parChTrans1D1">
+    <dgm:fillClrLst meth="repeat">
+      <a:schemeClr val="accent1"/>
+    </dgm:fillClrLst>
+    <dgm:linClrLst meth="repeat">
+      <a:schemeClr val="accent1">
+        <a:shade val="60000"/>
+      </a:schemeClr>
+    </dgm:linClrLst>
+    <dgm:effectClrLst/>
+    <dgm:txLinClrLst/>
+    <dgm:txFillClrLst meth="repeat">
+      <a:schemeClr val="tx1"/>
+    </dgm:txFillClrLst>
+    <dgm:txEffectClrLst/>
+  </dgm:styleLbl>
+  <dgm:styleLbl name="parChTrans1D2">
+    <dgm:fillClrLst meth="repeat">
+      <a:schemeClr val="accent1"/>
+    </dgm:fillClrLst>
+    <dgm:linClrLst meth="repeat">
+      <a:schemeClr val="accent1">
+        <a:shade val="60000"/>
+      </a:schemeClr>
+    </dgm:linClrLst>
+    <dgm:effectClrLst/>
+    <dgm:txLinClrLst/>
+    <dgm:txFillClrLst meth="repeat">
+      <a:schemeClr val="tx1"/>
+    </dgm:txFillClrLst>
+    <dgm:txEffectClrLst/>
+  </dgm:styleLbl>
+  <dgm:styleLbl name="parChTrans1D3">
+    <dgm:fillClrLst meth="repeat">
+      <a:schemeClr val="accent1"/>
+    </dgm:fillClrLst>
+    <dgm:linClrLst meth="repeat">
+      <a:schemeClr val="accent1">
+        <a:shade val="80000"/>
+      </a:schemeClr>
+    </dgm:linClrLst>
+    <dgm:effectClrLst/>
+    <dgm:txLinClrLst/>
+    <dgm:txFillClrLst meth="repeat">
+      <a:schemeClr val="tx1"/>
+    </dgm:txFillClrLst>
+    <dgm:txEffectClrLst/>
+  </dgm:styleLbl>
+  <dgm:styleLbl name="parChTrans1D4">
+    <dgm:fillClrLst meth="repeat">
+      <a:schemeClr val="accent1"/>
+    </dgm:fillClrLst>
+    <dgm:linClrLst meth="repeat">
+      <a:schemeClr val="accent1">
+        <a:shade val="80000"/>
+      </a:schemeClr>
+    </dgm:linClrLst>
+    <dgm:effectClrLst/>
+    <dgm:txLinClrLst/>
+    <dgm:txFillClrLst meth="repeat">
+      <a:schemeClr val="tx1"/>
+    </dgm:txFillClrLst>
+    <dgm:txEffectClrLst/>
+  </dgm:styleLbl>
+  <dgm:styleLbl name="fgAcc1">
+    <dgm:fillClrLst meth="repeat">
+      <a:schemeClr val="lt1">
+        <a:alpha val="90000"/>
+      </a:schemeClr>
+    </dgm:fillClrLst>
+    <dgm:linClrLst meth="repeat">
+      <a:schemeClr val="accent1"/>
+    </dgm:linClrLst>
+    <dgm:effectClrLst/>
+    <dgm:txLinClrLst/>
+    <dgm:txFillClrLst meth="repeat">
+      <a:schemeClr val="dk1"/>
+    </dgm:txFillClrLst>
+    <dgm:txEffectClrLst/>
+  </dgm:styleLbl>
+  <dgm:styleLbl name="conFgAcc1">
+    <dgm:fillClrLst meth="repeat">
+      <a:schemeClr val="lt1">
+        <a:alpha val="90000"/>
+      </a:schemeClr>
+    </dgm:fillClrLst>
+    <dgm:linClrLst meth="repeat">
+      <a:schemeClr val="accent1"/>
+    </dgm:linClrLst>
+    <dgm:effectClrLst/>
+    <dgm:txLinClrLst/>
+    <dgm:txFillClrLst meth="repeat">
+      <a:schemeClr val="dk1"/>
+    </dgm:txFillClrLst>
+    <dgm:txEffectClrLst/>
+  </dgm:styleLbl>
+  <dgm:styleLbl name="alignAcc1">
+    <dgm:fillClrLst meth="repeat">
+      <a:schemeClr val="lt1">
+        <a:alpha val="90000"/>
+      </a:schemeClr>
+    </dgm:fillClrLst>
+    <dgm:linClrLst meth="repeat">
+      <a:schemeClr val="accent1"/>
+    </dgm:linClrLst>
+    <dgm:effectClrLst/>
+    <dgm:txLinClrLst/>
+    <dgm:txFillClrLst meth="repeat">
+      <a:schemeClr val="dk1"/>
+    </dgm:txFillClrLst>
+    <dgm:txEffectClrLst/>
+  </dgm:styleLbl>
+  <dgm:styleLbl name="trAlignAcc1">
+    <dgm:fillClrLst meth="repeat">
+      <a:schemeClr val="lt1">
+        <a:alpha val="40000"/>
+      </a:schemeClr>
+    </dgm:fillClrLst>
+    <dgm:linClrLst meth="repeat">
+      <a:schemeClr val="accent1"/>
+    </dgm:linClrLst>
+    <dgm:effectClrLst/>
+    <dgm:txLinClrLst/>
+    <dgm:txFillClrLst meth="repeat">
+      <a:schemeClr val="dk1"/>
+    </dgm:txFillClrLst>
+    <dgm:txEffectClrLst/>
+  </dgm:styleLbl>
+  <dgm:styleLbl name="bgAcc1">
+    <dgm:fillClrLst meth="repeat">
+      <a:schemeClr val="lt1">
+        <a:alpha val="90000"/>
+      </a:schemeClr>
+    </dgm:fillClrLst>
+    <dgm:linClrLst meth="repeat">
+      <a:schemeClr val="accent1"/>
+    </dgm:linClrLst>
+    <dgm:effectClrLst/>
+    <dgm:txLinClrLst/>
+    <dgm:txFillClrLst meth="repeat">
+      <a:schemeClr val="dk1"/>
+    </dgm:txFillClrLst>
+    <dgm:txEffectClrLst/>
+  </dgm:styleLbl>
+  <dgm:styleLbl name="solidFgAcc1">
+    <dgm:fillClrLst meth="repeat">
+      <a:schemeClr val="lt1"/>
+    </dgm:fillClrLst>
+    <dgm:linClrLst meth="repeat">
+      <a:schemeClr val="accent1"/>
+    </dgm:linClrLst>
+    <dgm:effectClrLst/>
+    <dgm:txLinClrLst/>
+    <dgm:txFillClrLst meth="repeat">
+      <a:schemeClr val="dk1"/>
+    </dgm:txFillClrLst>
+    <dgm:txEffectClrLst/>
+  </dgm:styleLbl>
+  <dgm:styleLbl name="solidAlignAcc1">
+    <dgm:fillClrLst meth="repeat">
+      <a:schemeClr val="lt1"/>
+    </dgm:fillClrLst>
+    <dgm:linClrLst meth="repeat">
+      <a:schemeClr val="accent1"/>
+    </dgm:linClrLst>
+    <dgm:effectClrLst/>
+    <dgm:txLinClrLst/>
+    <dgm:txFillClrLst meth="repeat">
+      <a:schemeClr val="dk1"/>
+    </dgm:txFillClrLst>
+    <dgm:txEffectClrLst/>
+  </dgm:styleLbl>
+  <dgm:styleLbl name="solidBgAcc1">
+    <dgm:fillClrLst meth="repeat">
+      <a:schemeClr val="lt1"/>
+    </dgm:fillClrLst>
+    <dgm:linClrLst meth="repeat">
+      <a:schemeClr val="accent1"/>
+    </dgm:linClrLst>
+    <dgm:effectClrLst/>
+    <dgm:txLinClrLst/>
+    <dgm:txFillClrLst meth="repeat">
+      <a:schemeClr val="dk1"/>
+    </dgm:txFillClrLst>
+    <dgm:txEffectClrLst/>
+  </dgm:styleLbl>
+  <dgm:styleLbl name="fgAccFollowNode1">
+    <dgm:fillClrLst meth="repeat">
+      <a:schemeClr val="accent1">
+        <a:alpha val="90000"/>
+        <a:tint val="40000"/>
+      </a:schemeClr>
+    </dgm:fillClrLst>
+    <dgm:linClrLst meth="repeat">
+      <a:schemeClr val="accent1">
+        <a:alpha val="90000"/>
+        <a:tint val="40000"/>
+      </a:schemeClr>
+    </dgm:linClrLst>
+    <dgm:effectClrLst/>
+    <dgm:txLinClrLst/>
+    <dgm:txFillClrLst meth="repeat">
+      <a:schemeClr val="dk1"/>
+    </dgm:txFillClrLst>
+    <dgm:txEffectClrLst/>
+  </dgm:styleLbl>
+  <dgm:styleLbl name="alignAccFollowNode1">
+    <dgm:fillClrLst meth="repeat">
+      <a:schemeClr val="accent1">
+        <a:alpha val="90000"/>
+        <a:tint val="40000"/>
+      </a:schemeClr>
+    </dgm:fillClrLst>
+    <dgm:linClrLst meth="repeat">
+      <a:schemeClr val="accent1">
+        <a:alpha val="90000"/>
+        <a:tint val="40000"/>
+      </a:schemeClr>
+    </dgm:linClrLst>
+    <dgm:effectClrLst/>
+    <dgm:txLinClrLst/>
+    <dgm:txFillClrLst meth="repeat">
+      <a:schemeClr val="dk1"/>
+    </dgm:txFillClrLst>
+    <dgm:txEffectClrLst/>
+  </dgm:styleLbl>
+  <dgm:styleLbl name="bgAccFollowNode1">
+    <dgm:fillClrLst meth="repeat">
+      <a:schemeClr val="accent1">
+        <a:alpha val="90000"/>
+        <a:tint val="40000"/>
+      </a:schemeClr>
+    </dgm:fillClrLst>
+    <dgm:linClrLst meth="repeat">
+      <a:schemeClr val="accent1">
+        <a:alpha val="90000"/>
+        <a:tint val="40000"/>
+      </a:schemeClr>
+    </dgm:linClrLst>
+    <dgm:effectClrLst/>
+    <dgm:txLinClrLst/>
+    <dgm:txFillClrLst meth="repeat">
+      <a:schemeClr val="dk1"/>
+    </dgm:txFillClrLst>
+    <dgm:txEffectClrLst/>
+  </dgm:styleLbl>
+  <dgm:styleLbl name="fgAcc0">
+    <dgm:fillClrLst meth="repeat">
+      <a:schemeClr val="lt1">
+        <a:alpha val="90000"/>
+      </a:schemeClr>
+    </dgm:fillClrLst>
+    <dgm:linClrLst meth="repeat">
+      <a:schemeClr val="accent1"/>
+    </dgm:linClrLst>
+    <dgm:effectClrLst/>
+    <dgm:txLinClrLst/>
+    <dgm:txFillClrLst meth="repeat">
+      <a:schemeClr val="dk1"/>
+    </dgm:txFillClrLst>
+    <dgm:txEffectClrLst/>
+  </dgm:styleLbl>
+  <dgm:styleLbl name="fgAcc2">
+    <dgm:fillClrLst meth="repeat">
+      <a:schemeClr val="lt1">
+        <a:alpha val="90000"/>
+      </a:schemeClr>
+    </dgm:fillClrLst>
+    <dgm:linClrLst meth="repeat">
+      <a:schemeClr val="accent1"/>
+    </dgm:linClrLst>
+    <dgm:effectClrLst/>
+    <dgm:txLinClrLst/>
+    <dgm:txFillClrLst meth="repeat">
+      <a:schemeClr val="dk1"/>
+    </dgm:txFillClrLst>
+    <dgm:txEffectClrLst/>
+  </dgm:styleLbl>
+  <dgm:styleLbl name="fgAcc3">
+    <dgm:fillClrLst meth="repeat">
+      <a:schemeClr val="lt1">
+        <a:alpha val="90000"/>
+      </a:schemeClr>
+    </dgm:fillClrLst>
+    <dgm:linClrLst meth="repeat">
+      <a:schemeClr val="accent1"/>
+    </dgm:linClrLst>
+    <dgm:effectClrLst/>
+    <dgm:txLinClrLst/>
+    <dgm:txFillClrLst meth="repeat">
+      <a:schemeClr val="dk1"/>
+    </dgm:txFillClrLst>
+    <dgm:txEffectClrLst/>
+  </dgm:styleLbl>
+  <dgm:styleLbl name="fgAcc4">
+    <dgm:fillClrLst meth="repeat">
+      <a:schemeClr val="lt1">
+        <a:alpha val="90000"/>
+      </a:schemeClr>
+    </dgm:fillClrLst>
+    <dgm:linClrLst meth="repeat">
+      <a:schemeClr val="accent1"/>
+    </dgm:linClrLst>
+    <dgm:effectClrLst/>
+    <dgm:txLinClrLst/>
+    <dgm:txFillClrLst meth="repeat">
+      <a:schemeClr val="dk1"/>
+    </dgm:txFillClrLst>
+    <dgm:txEffectClrLst/>
+  </dgm:styleLbl>
+  <dgm:styleLbl name="bgShp">
+    <dgm:fillClrLst meth="repeat">
+      <a:schemeClr val="accent1">
+        <a:tint val="40000"/>
+      </a:schemeClr>
+    </dgm:fillClrLst>
+    <dgm:linClrLst meth="repeat">
+      <a:schemeClr val="accent1"/>
+    </dgm:linClrLst>
+    <dgm:effectClrLst/>
+    <dgm:txLinClrLst/>
+    <dgm:txFillClrLst meth="repeat">
+      <a:schemeClr val="dk1"/>
+    </dgm:txFillClrLst>
+    <dgm:txEffectClrLst/>
+  </dgm:styleLbl>
+  <dgm:styleLbl name="dkBgShp">
+    <dgm:fillClrLst meth="repeat">
+      <a:schemeClr val="accent1">
+        <a:shade val="80000"/>
+      </a:schemeClr>
+    </dgm:fillClrLst>
+    <dgm:linClrLst meth="repeat">
+      <a:schemeClr val="accent1"/>
+    </dgm:linClrLst>
+    <dgm:effectClrLst/>
+    <dgm:txLinClrLst/>
+    <dgm:txFillClrLst meth="repeat">
+      <a:schemeClr val="lt1"/>
+    </dgm:txFillClrLst>
+    <dgm:txEffectClrLst/>
+  </dgm:styleLbl>
+  <dgm:styleLbl name="trBgShp">
+    <dgm:fillClrLst meth="repeat">
+      <a:schemeClr val="accent1">
+        <a:tint val="50000"/>
+        <a:alpha val="40000"/>
+      </a:schemeClr>
+    </dgm:fillClrLst>
+    <dgm:linClrLst meth="repeat">
+      <a:schemeClr val="accent1"/>
+    </dgm:linClrLst>
+    <dgm:effectClrLst/>
+    <dgm:txLinClrLst/>
+    <dgm:txFillClrLst meth="repeat">
+      <a:schemeClr val="lt1"/>
+    </dgm:txFillClrLst>
+    <dgm:txEffectClrLst/>
+  </dgm:styleLbl>
+  <dgm:styleLbl name="fgShp">
+    <dgm:fillClrLst meth="repeat">
+      <a:schemeClr val="accent1">
+        <a:tint val="60000"/>
+      </a:schemeClr>
+    </dgm:fillClrLst>
+    <dgm:linClrLst meth="repeat">
+      <a:schemeClr val="lt1"/>
+    </dgm:linClrLst>
+    <dgm:effectClrLst/>
+    <dgm:txLinClrLst/>
+    <dgm:txFillClrLst meth="repeat">
+      <a:schemeClr val="dk1"/>
+    </dgm:txFillClrLst>
+    <dgm:txEffectClrLst/>
+  </dgm:styleLbl>
+  <dgm:styleLbl name="revTx">
+    <dgm:fillClrLst meth="repeat">
+      <a:schemeClr val="lt1">
+        <a:alpha val="0"/>
+      </a:schemeClr>
+    </dgm:fillClrLst>
+    <dgm:linClrLst meth="repeat">
+      <a:schemeClr val="dk1">
+        <a:alpha val="0"/>
+      </a:schemeClr>
+    </dgm:linClrLst>
+    <dgm:effectClrLst/>
+    <dgm:txLinClrLst/>
+    <dgm:txFillClrLst meth="repeat">
+      <a:schemeClr val="tx1"/>
+    </dgm:txFillClrLst>
+    <dgm:txEffectClrLst/>
+  </dgm:styleLbl>
+</dgm:colorsDef>
+</file>
+
+<file path=ppt/diagrams/data1.xml><?xml version="1.0" encoding="utf-8"?>
+<dgm:dataModel xmlns:dgm="http://schemas.openxmlformats.org/drawingml/2006/diagram" xmlns:a="http://schemas.openxmlformats.org/drawingml/2006/main">
+  <dgm:ptLst>
+    <dgm:pt modelId="{FD8E8D99-B3DA-44AF-A299-E8676CA307CC}" type="doc">
+      <dgm:prSet loTypeId="urn:microsoft.com/office/officeart/2005/8/layout/list1" loCatId="list" qsTypeId="urn:microsoft.com/office/officeart/2005/8/quickstyle/simple1" qsCatId="simple" csTypeId="urn:microsoft.com/office/officeart/2005/8/colors/accent1_2" csCatId="accent1" phldr="1"/>
+      <dgm:spPr/>
+      <dgm:t>
+        <a:bodyPr/>
+        <a:lstStyle/>
+        <a:p>
+          <a:endParaRPr lang="en-US"/>
+        </a:p>
+      </dgm:t>
+    </dgm:pt>
+    <dgm:pt modelId="{59F912D0-F8A1-460E-8FE3-B3C378AD1DD4}">
+      <dgm:prSet phldrT="[Text]"/>
+      <dgm:spPr/>
+      <dgm:t>
+        <a:bodyPr/>
+        <a:lstStyle/>
+        <a:p>
+          <a:pPr>
+            <a:buFont typeface="Arial" panose="020B0604020202020204" pitchFamily="34" charset="0"/>
+            <a:buChar char="•"/>
+          </a:pPr>
+          <a:r>
+            <a:rPr lang="en-US" b="0" i="0" dirty="0"/>
+            <a:t>Enable teams for your tenant</a:t>
+          </a:r>
+          <a:endParaRPr lang="en-US" dirty="0"/>
+        </a:p>
+      </dgm:t>
+    </dgm:pt>
+    <dgm:pt modelId="{457220F9-6833-4C04-A5BE-9F6434A6C491}" type="parTrans" cxnId="{1A6FE162-2382-411A-A846-429200BC5F13}">
+      <dgm:prSet/>
+      <dgm:spPr/>
+      <dgm:t>
+        <a:bodyPr/>
+        <a:lstStyle/>
+        <a:p>
+          <a:endParaRPr lang="en-US"/>
+        </a:p>
+      </dgm:t>
+    </dgm:pt>
+    <dgm:pt modelId="{34222F3A-DC68-4A73-A967-1F70C970F1D5}" type="sibTrans" cxnId="{1A6FE162-2382-411A-A846-429200BC5F13}">
+      <dgm:prSet/>
+      <dgm:spPr/>
+      <dgm:t>
+        <a:bodyPr/>
+        <a:lstStyle/>
+        <a:p>
+          <a:endParaRPr lang="en-US"/>
+        </a:p>
+      </dgm:t>
+    </dgm:pt>
+    <dgm:pt modelId="{9849EA44-8C47-4613-8659-FA0A726A393C}">
+      <dgm:prSet/>
+      <dgm:spPr/>
+      <dgm:t>
+        <a:bodyPr/>
+        <a:lstStyle/>
+        <a:p>
+          <a:pPr>
+            <a:buFont typeface="Arial" panose="020B0604020202020204" pitchFamily="34" charset="0"/>
+            <a:buChar char="•"/>
+          </a:pPr>
+          <a:r>
+            <a:rPr lang="en-US" b="0" i="0" dirty="0"/>
+            <a:t>Enable developer mode</a:t>
+          </a:r>
+        </a:p>
+      </dgm:t>
+    </dgm:pt>
+    <dgm:pt modelId="{19754F85-3AF6-41AA-B943-8D4D88785191}" type="parTrans" cxnId="{718A7844-C157-4F53-932A-63398BEFB4F1}">
+      <dgm:prSet/>
+      <dgm:spPr/>
+      <dgm:t>
+        <a:bodyPr/>
+        <a:lstStyle/>
+        <a:p>
+          <a:endParaRPr lang="en-US"/>
+        </a:p>
+      </dgm:t>
+    </dgm:pt>
+    <dgm:pt modelId="{E9A3A415-20F1-4A04-AFA2-DAF01553F56C}" type="sibTrans" cxnId="{718A7844-C157-4F53-932A-63398BEFB4F1}">
+      <dgm:prSet/>
+      <dgm:spPr/>
+      <dgm:t>
+        <a:bodyPr/>
+        <a:lstStyle/>
+        <a:p>
+          <a:endParaRPr lang="en-US"/>
+        </a:p>
+      </dgm:t>
+    </dgm:pt>
+    <dgm:pt modelId="{786B4868-C712-4E18-AD60-521ACAA306E7}">
+      <dgm:prSet/>
+      <dgm:spPr/>
+      <dgm:t>
+        <a:bodyPr/>
+        <a:lstStyle/>
+        <a:p>
+          <a:pPr>
+            <a:buFont typeface="Arial" panose="020B0604020202020204" pitchFamily="34" charset="0"/>
+            <a:buChar char="•"/>
+          </a:pPr>
+          <a:r>
+            <a:rPr lang="en-US" b="0" i="0" dirty="0"/>
+            <a:t>Create a custom bot</a:t>
+          </a:r>
+        </a:p>
+      </dgm:t>
+    </dgm:pt>
+    <dgm:pt modelId="{F2641D8E-69C6-4BD4-8F15-3F98A915377D}" type="parTrans" cxnId="{5EE55532-3E38-4757-B6FF-818BC93F854B}">
+      <dgm:prSet/>
+      <dgm:spPr/>
+      <dgm:t>
+        <a:bodyPr/>
+        <a:lstStyle/>
+        <a:p>
+          <a:endParaRPr lang="en-US"/>
+        </a:p>
+      </dgm:t>
+    </dgm:pt>
+    <dgm:pt modelId="{90DA5D31-818D-4421-AA82-1A76186E2D94}" type="sibTrans" cxnId="{5EE55532-3E38-4757-B6FF-818BC93F854B}">
+      <dgm:prSet/>
+      <dgm:spPr/>
+      <dgm:t>
+        <a:bodyPr/>
+        <a:lstStyle/>
+        <a:p>
+          <a:endParaRPr lang="en-US"/>
+        </a:p>
+      </dgm:t>
+    </dgm:pt>
+    <dgm:pt modelId="{53002345-33EE-4BCE-B8DA-F0643F0DB328}">
+      <dgm:prSet/>
+      <dgm:spPr/>
+      <dgm:t>
+        <a:bodyPr/>
+        <a:lstStyle/>
+        <a:p>
+          <a:pPr>
+            <a:buFont typeface="Arial" panose="020B0604020202020204" pitchFamily="34" charset="0"/>
+            <a:buChar char="•"/>
+          </a:pPr>
+          <a:r>
+            <a:rPr lang="en-US" b="0" i="0" dirty="0"/>
+            <a:t>Download client</a:t>
+          </a:r>
+        </a:p>
+      </dgm:t>
+    </dgm:pt>
+    <dgm:pt modelId="{A8AB98D3-0475-4BA3-ADDE-DDA114183427}" type="parTrans" cxnId="{3646A630-4FA9-4902-BCD7-1D8104DA74DF}">
+      <dgm:prSet/>
+      <dgm:spPr/>
+      <dgm:t>
+        <a:bodyPr/>
+        <a:lstStyle/>
+        <a:p>
+          <a:endParaRPr lang="en-US"/>
+        </a:p>
+      </dgm:t>
+    </dgm:pt>
+    <dgm:pt modelId="{1236575B-497A-480E-8F2B-0DA870EDA033}" type="sibTrans" cxnId="{3646A630-4FA9-4902-BCD7-1D8104DA74DF}">
+      <dgm:prSet/>
+      <dgm:spPr/>
+      <dgm:t>
+        <a:bodyPr/>
+        <a:lstStyle/>
+        <a:p>
+          <a:endParaRPr lang="en-US"/>
+        </a:p>
+      </dgm:t>
+    </dgm:pt>
+    <dgm:pt modelId="{1AB8C13F-1A15-468C-AE06-20076DAE86E2}">
+      <dgm:prSet phldrT="[Text]"/>
+      <dgm:spPr/>
+      <dgm:t>
+        <a:bodyPr/>
+        <a:lstStyle/>
+        <a:p>
+          <a:pPr>
+            <a:buFont typeface="Arial" panose="020B0604020202020204" pitchFamily="34" charset="0"/>
+            <a:buChar char="•"/>
+          </a:pPr>
+          <a:r>
+            <a:rPr lang="en-US" dirty="0"/>
+            <a:t>Get started for Team development</a:t>
+          </a:r>
+        </a:p>
+      </dgm:t>
+    </dgm:pt>
+    <dgm:pt modelId="{73E666FA-78FE-42AF-A44B-16836141BE1B}" type="parTrans" cxnId="{8F6981D0-E990-45F8-A8B8-8567F5EC2B23}">
+      <dgm:prSet/>
+      <dgm:spPr/>
+      <dgm:t>
+        <a:bodyPr/>
+        <a:lstStyle/>
+        <a:p>
+          <a:endParaRPr lang="en-US"/>
+        </a:p>
+      </dgm:t>
+    </dgm:pt>
+    <dgm:pt modelId="{6356BDFB-AD7D-48E0-B0FC-29FA9CA9E243}" type="sibTrans" cxnId="{8F6981D0-E990-45F8-A8B8-8567F5EC2B23}">
+      <dgm:prSet/>
+      <dgm:spPr/>
+      <dgm:t>
+        <a:bodyPr/>
+        <a:lstStyle/>
+        <a:p>
+          <a:endParaRPr lang="en-US"/>
+        </a:p>
+      </dgm:t>
+    </dgm:pt>
+    <dgm:pt modelId="{E6CA33D9-CE61-47B0-90E0-E53499C2740B}">
+      <dgm:prSet/>
+      <dgm:spPr/>
+      <dgm:t>
+        <a:bodyPr/>
+        <a:lstStyle/>
+        <a:p>
+          <a:pPr>
+            <a:buFont typeface="Arial" panose="020B0604020202020204" pitchFamily="34" charset="0"/>
+            <a:buChar char="•"/>
+          </a:pPr>
+          <a:r>
+            <a:rPr lang="en-US" b="0" i="0" dirty="0"/>
+            <a:t>Create a custom Tab</a:t>
+          </a:r>
+        </a:p>
+      </dgm:t>
+    </dgm:pt>
+    <dgm:pt modelId="{C6839D9A-0AB7-4938-9464-D05823D34B63}" type="parTrans" cxnId="{D030E3D0-C1DD-4DCC-851C-3241A11ED069}">
+      <dgm:prSet/>
+      <dgm:spPr/>
+      <dgm:t>
+        <a:bodyPr/>
+        <a:lstStyle/>
+        <a:p>
+          <a:endParaRPr lang="en-US"/>
+        </a:p>
+      </dgm:t>
+    </dgm:pt>
+    <dgm:pt modelId="{56ACE30F-574E-48EC-B5F1-DDABE0AC8D55}" type="sibTrans" cxnId="{D030E3D0-C1DD-4DCC-851C-3241A11ED069}">
+      <dgm:prSet/>
+      <dgm:spPr/>
+      <dgm:t>
+        <a:bodyPr/>
+        <a:lstStyle/>
+        <a:p>
+          <a:endParaRPr lang="en-US"/>
+        </a:p>
+      </dgm:t>
+    </dgm:pt>
+    <dgm:pt modelId="{D4439EB0-CD07-4328-B7D1-8DD383CD113E}" type="pres">
+      <dgm:prSet presAssocID="{FD8E8D99-B3DA-44AF-A299-E8676CA307CC}" presName="linear" presStyleCnt="0">
+        <dgm:presLayoutVars>
+          <dgm:dir/>
+          <dgm:animLvl val="lvl"/>
+          <dgm:resizeHandles val="exact"/>
+        </dgm:presLayoutVars>
+      </dgm:prSet>
+      <dgm:spPr/>
+    </dgm:pt>
+    <dgm:pt modelId="{8E88058B-AAA2-42CD-968F-196476F69666}" type="pres">
+      <dgm:prSet presAssocID="{1AB8C13F-1A15-468C-AE06-20076DAE86E2}" presName="parentLin" presStyleCnt="0"/>
+      <dgm:spPr/>
+    </dgm:pt>
+    <dgm:pt modelId="{0E97FEF0-1C21-42F1-AC01-065CB6D1AD64}" type="pres">
+      <dgm:prSet presAssocID="{1AB8C13F-1A15-468C-AE06-20076DAE86E2}" presName="parentLeftMargin" presStyleLbl="node1" presStyleIdx="0" presStyleCnt="3"/>
+      <dgm:spPr/>
+    </dgm:pt>
+    <dgm:pt modelId="{66398406-D006-4076-91D5-79925CAC6489}" type="pres">
+      <dgm:prSet presAssocID="{1AB8C13F-1A15-468C-AE06-20076DAE86E2}" presName="parentText" presStyleLbl="node1" presStyleIdx="0" presStyleCnt="3">
+        <dgm:presLayoutVars>
+          <dgm:chMax val="0"/>
+          <dgm:bulletEnabled val="1"/>
+        </dgm:presLayoutVars>
+      </dgm:prSet>
+      <dgm:spPr/>
+    </dgm:pt>
+    <dgm:pt modelId="{52AAD830-5604-43D1-BBB3-186357F195A8}" type="pres">
+      <dgm:prSet presAssocID="{1AB8C13F-1A15-468C-AE06-20076DAE86E2}" presName="negativeSpace" presStyleCnt="0"/>
+      <dgm:spPr/>
+    </dgm:pt>
+    <dgm:pt modelId="{E088D6F1-00EF-4CD9-8631-C4B197A4C28A}" type="pres">
+      <dgm:prSet presAssocID="{1AB8C13F-1A15-468C-AE06-20076DAE86E2}" presName="childText" presStyleLbl="conFgAcc1" presStyleIdx="0" presStyleCnt="3">
+        <dgm:presLayoutVars>
+          <dgm:bulletEnabled val="1"/>
+        </dgm:presLayoutVars>
+      </dgm:prSet>
+      <dgm:spPr/>
+    </dgm:pt>
+    <dgm:pt modelId="{01182EAC-6CA9-497C-8CE2-24B4C9EA8225}" type="pres">
+      <dgm:prSet presAssocID="{6356BDFB-AD7D-48E0-B0FC-29FA9CA9E243}" presName="spaceBetweenRectangles" presStyleCnt="0"/>
+      <dgm:spPr/>
+    </dgm:pt>
+    <dgm:pt modelId="{CF4601C1-2485-41D2-80D1-9658F17D4B69}" type="pres">
+      <dgm:prSet presAssocID="{786B4868-C712-4E18-AD60-521ACAA306E7}" presName="parentLin" presStyleCnt="0"/>
+      <dgm:spPr/>
+    </dgm:pt>
+    <dgm:pt modelId="{762FD593-1C10-42DD-BFF5-B53B50E77BFB}" type="pres">
+      <dgm:prSet presAssocID="{786B4868-C712-4E18-AD60-521ACAA306E7}" presName="parentLeftMargin" presStyleLbl="node1" presStyleIdx="0" presStyleCnt="3"/>
+      <dgm:spPr/>
+    </dgm:pt>
+    <dgm:pt modelId="{6423FB86-D3D1-4F22-BA14-E87200D77C39}" type="pres">
+      <dgm:prSet presAssocID="{786B4868-C712-4E18-AD60-521ACAA306E7}" presName="parentText" presStyleLbl="node1" presStyleIdx="1" presStyleCnt="3">
+        <dgm:presLayoutVars>
+          <dgm:chMax val="0"/>
+          <dgm:bulletEnabled val="1"/>
+        </dgm:presLayoutVars>
+      </dgm:prSet>
+      <dgm:spPr/>
+    </dgm:pt>
+    <dgm:pt modelId="{9657247A-FBEA-484B-BAA2-5612A39E481F}" type="pres">
+      <dgm:prSet presAssocID="{786B4868-C712-4E18-AD60-521ACAA306E7}" presName="negativeSpace" presStyleCnt="0"/>
+      <dgm:spPr/>
+    </dgm:pt>
+    <dgm:pt modelId="{EFD14870-93CE-4A21-8B42-7EF2FD15D3DA}" type="pres">
+      <dgm:prSet presAssocID="{786B4868-C712-4E18-AD60-521ACAA306E7}" presName="childText" presStyleLbl="conFgAcc1" presStyleIdx="1" presStyleCnt="3">
+        <dgm:presLayoutVars>
+          <dgm:bulletEnabled val="1"/>
+        </dgm:presLayoutVars>
+      </dgm:prSet>
+      <dgm:spPr/>
+    </dgm:pt>
+    <dgm:pt modelId="{DA498CD9-8B7E-49E4-A68B-410DA112B297}" type="pres">
+      <dgm:prSet presAssocID="{90DA5D31-818D-4421-AA82-1A76186E2D94}" presName="spaceBetweenRectangles" presStyleCnt="0"/>
+      <dgm:spPr/>
+    </dgm:pt>
+    <dgm:pt modelId="{6F06E459-E2CE-40D9-8F65-676BAFB92972}" type="pres">
+      <dgm:prSet presAssocID="{E6CA33D9-CE61-47B0-90E0-E53499C2740B}" presName="parentLin" presStyleCnt="0"/>
+      <dgm:spPr/>
+    </dgm:pt>
+    <dgm:pt modelId="{B14078EA-C2E0-4F55-B92E-64DA064903E3}" type="pres">
+      <dgm:prSet presAssocID="{E6CA33D9-CE61-47B0-90E0-E53499C2740B}" presName="parentLeftMargin" presStyleLbl="node1" presStyleIdx="1" presStyleCnt="3"/>
+      <dgm:spPr/>
+    </dgm:pt>
+    <dgm:pt modelId="{7C473869-855B-4497-8B2E-F0E7E6AA93A1}" type="pres">
+      <dgm:prSet presAssocID="{E6CA33D9-CE61-47B0-90E0-E53499C2740B}" presName="parentText" presStyleLbl="node1" presStyleIdx="2" presStyleCnt="3">
+        <dgm:presLayoutVars>
+          <dgm:chMax val="0"/>
+          <dgm:bulletEnabled val="1"/>
+        </dgm:presLayoutVars>
+      </dgm:prSet>
+      <dgm:spPr/>
+    </dgm:pt>
+    <dgm:pt modelId="{B1E53FB8-563B-4AAA-9C2C-86FAFB65639A}" type="pres">
+      <dgm:prSet presAssocID="{E6CA33D9-CE61-47B0-90E0-E53499C2740B}" presName="negativeSpace" presStyleCnt="0"/>
+      <dgm:spPr/>
+    </dgm:pt>
+    <dgm:pt modelId="{B9CB0B97-C440-4A33-BDC9-E0ACC35CE69C}" type="pres">
+      <dgm:prSet presAssocID="{E6CA33D9-CE61-47B0-90E0-E53499C2740B}" presName="childText" presStyleLbl="conFgAcc1" presStyleIdx="2" presStyleCnt="3">
+        <dgm:presLayoutVars>
+          <dgm:bulletEnabled val="1"/>
+        </dgm:presLayoutVars>
+      </dgm:prSet>
+      <dgm:spPr/>
+    </dgm:pt>
+  </dgm:ptLst>
+  <dgm:cxnLst>
+    <dgm:cxn modelId="{8756F315-C86A-47C4-8B55-C309F3F51F3A}" type="presOf" srcId="{1AB8C13F-1A15-468C-AE06-20076DAE86E2}" destId="{0E97FEF0-1C21-42F1-AC01-065CB6D1AD64}" srcOrd="0" destOrd="0" presId="urn:microsoft.com/office/officeart/2005/8/layout/list1"/>
+    <dgm:cxn modelId="{3646A630-4FA9-4902-BCD7-1D8104DA74DF}" srcId="{1AB8C13F-1A15-468C-AE06-20076DAE86E2}" destId="{53002345-33EE-4BCE-B8DA-F0643F0DB328}" srcOrd="1" destOrd="0" parTransId="{A8AB98D3-0475-4BA3-ADDE-DDA114183427}" sibTransId="{1236575B-497A-480E-8F2B-0DA870EDA033}"/>
+    <dgm:cxn modelId="{5EE55532-3E38-4757-B6FF-818BC93F854B}" srcId="{FD8E8D99-B3DA-44AF-A299-E8676CA307CC}" destId="{786B4868-C712-4E18-AD60-521ACAA306E7}" srcOrd="1" destOrd="0" parTransId="{F2641D8E-69C6-4BD4-8F15-3F98A915377D}" sibTransId="{90DA5D31-818D-4421-AA82-1A76186E2D94}"/>
+    <dgm:cxn modelId="{1A6FE162-2382-411A-A846-429200BC5F13}" srcId="{1AB8C13F-1A15-468C-AE06-20076DAE86E2}" destId="{59F912D0-F8A1-460E-8FE3-B3C378AD1DD4}" srcOrd="0" destOrd="0" parTransId="{457220F9-6833-4C04-A5BE-9F6434A6C491}" sibTransId="{34222F3A-DC68-4A73-A967-1F70C970F1D5}"/>
+    <dgm:cxn modelId="{718A7844-C157-4F53-932A-63398BEFB4F1}" srcId="{1AB8C13F-1A15-468C-AE06-20076DAE86E2}" destId="{9849EA44-8C47-4613-8659-FA0A726A393C}" srcOrd="2" destOrd="0" parTransId="{19754F85-3AF6-41AA-B943-8D4D88785191}" sibTransId="{E9A3A415-20F1-4A04-AFA2-DAF01553F56C}"/>
+    <dgm:cxn modelId="{00D8AE66-34CC-4907-AADD-94DA49F14675}" type="presOf" srcId="{FD8E8D99-B3DA-44AF-A299-E8676CA307CC}" destId="{D4439EB0-CD07-4328-B7D1-8DD383CD113E}" srcOrd="0" destOrd="0" presId="urn:microsoft.com/office/officeart/2005/8/layout/list1"/>
+    <dgm:cxn modelId="{A9FFFF4A-0CEC-43EA-96D1-E0916A10AA84}" type="presOf" srcId="{59F912D0-F8A1-460E-8FE3-B3C378AD1DD4}" destId="{E088D6F1-00EF-4CD9-8631-C4B197A4C28A}" srcOrd="0" destOrd="0" presId="urn:microsoft.com/office/officeart/2005/8/layout/list1"/>
+    <dgm:cxn modelId="{76E0386E-0CCE-42B1-9275-99F626D5E139}" type="presOf" srcId="{E6CA33D9-CE61-47B0-90E0-E53499C2740B}" destId="{B14078EA-C2E0-4F55-B92E-64DA064903E3}" srcOrd="0" destOrd="0" presId="urn:microsoft.com/office/officeart/2005/8/layout/list1"/>
+    <dgm:cxn modelId="{B9E3E57E-0326-40A7-82D4-8ED2CB9FBAD4}" type="presOf" srcId="{786B4868-C712-4E18-AD60-521ACAA306E7}" destId="{6423FB86-D3D1-4F22-BA14-E87200D77C39}" srcOrd="1" destOrd="0" presId="urn:microsoft.com/office/officeart/2005/8/layout/list1"/>
+    <dgm:cxn modelId="{A1F27A85-4CC7-44FE-9DD3-32D022AF410C}" type="presOf" srcId="{786B4868-C712-4E18-AD60-521ACAA306E7}" destId="{762FD593-1C10-42DD-BFF5-B53B50E77BFB}" srcOrd="0" destOrd="0" presId="urn:microsoft.com/office/officeart/2005/8/layout/list1"/>
+    <dgm:cxn modelId="{81FE69A1-A930-4B8F-8ED9-469F07F93977}" type="presOf" srcId="{9849EA44-8C47-4613-8659-FA0A726A393C}" destId="{E088D6F1-00EF-4CD9-8631-C4B197A4C28A}" srcOrd="0" destOrd="2" presId="urn:microsoft.com/office/officeart/2005/8/layout/list1"/>
+    <dgm:cxn modelId="{AC635EBE-D5C2-4025-B21B-DE7E95ACD053}" type="presOf" srcId="{E6CA33D9-CE61-47B0-90E0-E53499C2740B}" destId="{7C473869-855B-4497-8B2E-F0E7E6AA93A1}" srcOrd="1" destOrd="0" presId="urn:microsoft.com/office/officeart/2005/8/layout/list1"/>
+    <dgm:cxn modelId="{8F6981D0-E990-45F8-A8B8-8567F5EC2B23}" srcId="{FD8E8D99-B3DA-44AF-A299-E8676CA307CC}" destId="{1AB8C13F-1A15-468C-AE06-20076DAE86E2}" srcOrd="0" destOrd="0" parTransId="{73E666FA-78FE-42AF-A44B-16836141BE1B}" sibTransId="{6356BDFB-AD7D-48E0-B0FC-29FA9CA9E243}"/>
+    <dgm:cxn modelId="{D030E3D0-C1DD-4DCC-851C-3241A11ED069}" srcId="{FD8E8D99-B3DA-44AF-A299-E8676CA307CC}" destId="{E6CA33D9-CE61-47B0-90E0-E53499C2740B}" srcOrd="2" destOrd="0" parTransId="{C6839D9A-0AB7-4938-9464-D05823D34B63}" sibTransId="{56ACE30F-574E-48EC-B5F1-DDABE0AC8D55}"/>
+    <dgm:cxn modelId="{953EF7DB-54B5-492C-B4FF-B1694F0ECDBD}" type="presOf" srcId="{1AB8C13F-1A15-468C-AE06-20076DAE86E2}" destId="{66398406-D006-4076-91D5-79925CAC6489}" srcOrd="1" destOrd="0" presId="urn:microsoft.com/office/officeart/2005/8/layout/list1"/>
+    <dgm:cxn modelId="{09A83CFC-1465-4C08-8B08-CB3C2EB41F60}" type="presOf" srcId="{53002345-33EE-4BCE-B8DA-F0643F0DB328}" destId="{E088D6F1-00EF-4CD9-8631-C4B197A4C28A}" srcOrd="0" destOrd="1" presId="urn:microsoft.com/office/officeart/2005/8/layout/list1"/>
+    <dgm:cxn modelId="{1D60B099-510C-4532-9628-75CED2B22509}" type="presParOf" srcId="{D4439EB0-CD07-4328-B7D1-8DD383CD113E}" destId="{8E88058B-AAA2-42CD-968F-196476F69666}" srcOrd="0" destOrd="0" presId="urn:microsoft.com/office/officeart/2005/8/layout/list1"/>
+    <dgm:cxn modelId="{BE02B2DF-4163-49AD-8D31-4BA9D6E5D99D}" type="presParOf" srcId="{8E88058B-AAA2-42CD-968F-196476F69666}" destId="{0E97FEF0-1C21-42F1-AC01-065CB6D1AD64}" srcOrd="0" destOrd="0" presId="urn:microsoft.com/office/officeart/2005/8/layout/list1"/>
+    <dgm:cxn modelId="{FD4862BB-C067-449F-AAA3-25FD79FB12FE}" type="presParOf" srcId="{8E88058B-AAA2-42CD-968F-196476F69666}" destId="{66398406-D006-4076-91D5-79925CAC6489}" srcOrd="1" destOrd="0" presId="urn:microsoft.com/office/officeart/2005/8/layout/list1"/>
+    <dgm:cxn modelId="{ED883B85-F720-4EF8-92D2-13A56A2EEEBA}" type="presParOf" srcId="{D4439EB0-CD07-4328-B7D1-8DD383CD113E}" destId="{52AAD830-5604-43D1-BBB3-186357F195A8}" srcOrd="1" destOrd="0" presId="urn:microsoft.com/office/officeart/2005/8/layout/list1"/>
+    <dgm:cxn modelId="{3701B35A-F3F1-474A-826C-FF205FB466AB}" type="presParOf" srcId="{D4439EB0-CD07-4328-B7D1-8DD383CD113E}" destId="{E088D6F1-00EF-4CD9-8631-C4B197A4C28A}" srcOrd="2" destOrd="0" presId="urn:microsoft.com/office/officeart/2005/8/layout/list1"/>
+    <dgm:cxn modelId="{DEEB8754-24DD-4628-B881-A9A8B014B145}" type="presParOf" srcId="{D4439EB0-CD07-4328-B7D1-8DD383CD113E}" destId="{01182EAC-6CA9-497C-8CE2-24B4C9EA8225}" srcOrd="3" destOrd="0" presId="urn:microsoft.com/office/officeart/2005/8/layout/list1"/>
+    <dgm:cxn modelId="{EA535274-D7DA-4634-8751-09B8AABD5284}" type="presParOf" srcId="{D4439EB0-CD07-4328-B7D1-8DD383CD113E}" destId="{CF4601C1-2485-41D2-80D1-9658F17D4B69}" srcOrd="4" destOrd="0" presId="urn:microsoft.com/office/officeart/2005/8/layout/list1"/>
+    <dgm:cxn modelId="{0C2AB0B2-D809-4F87-B7C2-3F54E519BC11}" type="presParOf" srcId="{CF4601C1-2485-41D2-80D1-9658F17D4B69}" destId="{762FD593-1C10-42DD-BFF5-B53B50E77BFB}" srcOrd="0" destOrd="0" presId="urn:microsoft.com/office/officeart/2005/8/layout/list1"/>
+    <dgm:cxn modelId="{9662C770-0A1B-4DEE-80CF-854842722636}" type="presParOf" srcId="{CF4601C1-2485-41D2-80D1-9658F17D4B69}" destId="{6423FB86-D3D1-4F22-BA14-E87200D77C39}" srcOrd="1" destOrd="0" presId="urn:microsoft.com/office/officeart/2005/8/layout/list1"/>
+    <dgm:cxn modelId="{5B4685F4-F518-443B-AFEC-AEB8017569BB}" type="presParOf" srcId="{D4439EB0-CD07-4328-B7D1-8DD383CD113E}" destId="{9657247A-FBEA-484B-BAA2-5612A39E481F}" srcOrd="5" destOrd="0" presId="urn:microsoft.com/office/officeart/2005/8/layout/list1"/>
+    <dgm:cxn modelId="{6678CCFD-E79C-49A1-BB4C-3264401545BD}" type="presParOf" srcId="{D4439EB0-CD07-4328-B7D1-8DD383CD113E}" destId="{EFD14870-93CE-4A21-8B42-7EF2FD15D3DA}" srcOrd="6" destOrd="0" presId="urn:microsoft.com/office/officeart/2005/8/layout/list1"/>
+    <dgm:cxn modelId="{764A2B2F-FEF7-4D1C-B077-9BC3E60D1E88}" type="presParOf" srcId="{D4439EB0-CD07-4328-B7D1-8DD383CD113E}" destId="{DA498CD9-8B7E-49E4-A68B-410DA112B297}" srcOrd="7" destOrd="0" presId="urn:microsoft.com/office/officeart/2005/8/layout/list1"/>
+    <dgm:cxn modelId="{F5C45B4C-D0F7-488D-8D34-40DB07C89F59}" type="presParOf" srcId="{D4439EB0-CD07-4328-B7D1-8DD383CD113E}" destId="{6F06E459-E2CE-40D9-8F65-676BAFB92972}" srcOrd="8" destOrd="0" presId="urn:microsoft.com/office/officeart/2005/8/layout/list1"/>
+    <dgm:cxn modelId="{07FF269D-9D2C-4DB4-A393-D7398ABF3AAD}" type="presParOf" srcId="{6F06E459-E2CE-40D9-8F65-676BAFB92972}" destId="{B14078EA-C2E0-4F55-B92E-64DA064903E3}" srcOrd="0" destOrd="0" presId="urn:microsoft.com/office/officeart/2005/8/layout/list1"/>
+    <dgm:cxn modelId="{A73E9D9B-321E-48A4-A037-CA5FBC7385DF}" type="presParOf" srcId="{6F06E459-E2CE-40D9-8F65-676BAFB92972}" destId="{7C473869-855B-4497-8B2E-F0E7E6AA93A1}" srcOrd="1" destOrd="0" presId="urn:microsoft.com/office/officeart/2005/8/layout/list1"/>
+    <dgm:cxn modelId="{246EE760-0720-4367-9E63-22959A38F0DF}" type="presParOf" srcId="{D4439EB0-CD07-4328-B7D1-8DD383CD113E}" destId="{B1E53FB8-563B-4AAA-9C2C-86FAFB65639A}" srcOrd="9" destOrd="0" presId="urn:microsoft.com/office/officeart/2005/8/layout/list1"/>
+    <dgm:cxn modelId="{C96A1758-BC82-4A8D-98A3-DF34E6AE86D1}" type="presParOf" srcId="{D4439EB0-CD07-4328-B7D1-8DD383CD113E}" destId="{B9CB0B97-C440-4A33-BDC9-E0ACC35CE69C}" srcOrd="10" destOrd="0" presId="urn:microsoft.com/office/officeart/2005/8/layout/list1"/>
+  </dgm:cxnLst>
+  <dgm:bg/>
+  <dgm:whole/>
+  <dgm:extLst>
+    <a:ext uri="http://schemas.microsoft.com/office/drawing/2008/diagram">
+      <dsp:dataModelExt xmlns:dsp="http://schemas.microsoft.com/office/drawing/2008/diagram" relId="rId6" minVer="http://schemas.openxmlformats.org/drawingml/2006/diagram"/>
+    </a:ext>
+  </dgm:extLst>
+</dgm:dataModel>
+</file>
+
+<file path=ppt/diagrams/drawing1.xml><?xml version="1.0" encoding="utf-8"?>
+<dsp:drawing xmlns:dgm="http://schemas.openxmlformats.org/drawingml/2006/diagram" xmlns:dsp="http://schemas.microsoft.com/office/drawing/2008/diagram" xmlns:a="http://schemas.openxmlformats.org/drawingml/2006/main">
+  <dsp:spTree>
+    <dsp:nvGrpSpPr>
+      <dsp:cNvPr id="0" name=""/>
+      <dsp:cNvGrpSpPr/>
+    </dsp:nvGrpSpPr>
+    <dsp:grpSpPr/>
+    <dsp:sp modelId="{E088D6F1-00EF-4CD9-8631-C4B197A4C28A}">
+      <dsp:nvSpPr>
+        <dsp:cNvPr id="0" name=""/>
+        <dsp:cNvSpPr/>
+      </dsp:nvSpPr>
+      <dsp:spPr>
+        <a:xfrm>
+          <a:off x="0" y="425221"/>
+          <a:ext cx="10972800" cy="2126250"/>
+        </a:xfrm>
+        <a:prstGeom prst="rect">
+          <a:avLst/>
+        </a:prstGeom>
+        <a:solidFill>
+          <a:schemeClr val="lt1">
+            <a:alpha val="90000"/>
+            <a:hueOff val="0"/>
+            <a:satOff val="0"/>
+            <a:lumOff val="0"/>
+            <a:alphaOff val="0"/>
+          </a:schemeClr>
+        </a:solidFill>
+        <a:ln w="10795" cap="flat" cmpd="sng" algn="ctr">
+          <a:solidFill>
+            <a:schemeClr val="accent1">
+              <a:hueOff val="0"/>
+              <a:satOff val="0"/>
+              <a:lumOff val="0"/>
+              <a:alphaOff val="0"/>
+            </a:schemeClr>
+          </a:solidFill>
+          <a:prstDash val="solid"/>
+        </a:ln>
+        <a:effectLst/>
+      </dsp:spPr>
+      <dsp:style>
+        <a:lnRef idx="2">
+          <a:scrgbClr r="0" g="0" b="0"/>
+        </a:lnRef>
+        <a:fillRef idx="1">
+          <a:scrgbClr r="0" g="0" b="0"/>
+        </a:fillRef>
+        <a:effectRef idx="0">
+          <a:scrgbClr r="0" g="0" b="0"/>
+        </a:effectRef>
+        <a:fontRef idx="minor"/>
+      </dsp:style>
+      <dsp:txBody>
+        <a:bodyPr spcFirstLastPara="0" vert="horz" wrap="square" lIns="851611" tIns="562356" rIns="851611" bIns="192024" numCol="1" spcCol="1270" anchor="t" anchorCtr="0">
+          <a:noAutofit/>
+        </a:bodyPr>
+        <a:lstStyle/>
+        <a:p>
+          <a:pPr marL="228600" lvl="1" indent="-228600" algn="l" defTabSz="1200150">
+            <a:lnSpc>
+              <a:spcPct val="90000"/>
+            </a:lnSpc>
+            <a:spcBef>
+              <a:spcPct val="0"/>
+            </a:spcBef>
+            <a:spcAft>
+              <a:spcPct val="15000"/>
+            </a:spcAft>
+            <a:buFont typeface="Arial" panose="020B0604020202020204" pitchFamily="34" charset="0"/>
+            <a:buChar char="•"/>
+          </a:pPr>
+          <a:r>
+            <a:rPr lang="en-US" sz="2700" b="0" i="0" kern="1200" dirty="0"/>
+            <a:t>Enable teams for your tenant</a:t>
+          </a:r>
+          <a:endParaRPr lang="en-US" sz="2700" kern="1200" dirty="0"/>
+        </a:p>
+        <a:p>
+          <a:pPr marL="228600" lvl="1" indent="-228600" algn="l" defTabSz="1200150">
+            <a:lnSpc>
+              <a:spcPct val="90000"/>
+            </a:lnSpc>
+            <a:spcBef>
+              <a:spcPct val="0"/>
+            </a:spcBef>
+            <a:spcAft>
+              <a:spcPct val="15000"/>
+            </a:spcAft>
+            <a:buFont typeface="Arial" panose="020B0604020202020204" pitchFamily="34" charset="0"/>
+            <a:buChar char="•"/>
+          </a:pPr>
+          <a:r>
+            <a:rPr lang="en-US" sz="2700" b="0" i="0" kern="1200" dirty="0"/>
+            <a:t>Download client</a:t>
+          </a:r>
+        </a:p>
+        <a:p>
+          <a:pPr marL="228600" lvl="1" indent="-228600" algn="l" defTabSz="1200150">
+            <a:lnSpc>
+              <a:spcPct val="90000"/>
+            </a:lnSpc>
+            <a:spcBef>
+              <a:spcPct val="0"/>
+            </a:spcBef>
+            <a:spcAft>
+              <a:spcPct val="15000"/>
+            </a:spcAft>
+            <a:buFont typeface="Arial" panose="020B0604020202020204" pitchFamily="34" charset="0"/>
+            <a:buChar char="•"/>
+          </a:pPr>
+          <a:r>
+            <a:rPr lang="en-US" sz="2700" b="0" i="0" kern="1200" dirty="0"/>
+            <a:t>Enable developer mode</a:t>
+          </a:r>
+        </a:p>
+      </dsp:txBody>
+      <dsp:txXfrm>
+        <a:off x="0" y="425221"/>
+        <a:ext cx="10972800" cy="2126250"/>
+      </dsp:txXfrm>
+    </dsp:sp>
+    <dsp:sp modelId="{66398406-D006-4076-91D5-79925CAC6489}">
+      <dsp:nvSpPr>
+        <dsp:cNvPr id="0" name=""/>
+        <dsp:cNvSpPr/>
+      </dsp:nvSpPr>
+      <dsp:spPr>
+        <a:xfrm>
+          <a:off x="548640" y="26701"/>
+          <a:ext cx="7680960" cy="797040"/>
+        </a:xfrm>
+        <a:prstGeom prst="roundRect">
+          <a:avLst/>
+        </a:prstGeom>
+        <a:solidFill>
+          <a:schemeClr val="accent1">
+            <a:hueOff val="0"/>
+            <a:satOff val="0"/>
+            <a:lumOff val="0"/>
+            <a:alphaOff val="0"/>
+          </a:schemeClr>
+        </a:solidFill>
+        <a:ln w="10795" cap="flat" cmpd="sng" algn="ctr">
+          <a:solidFill>
+            <a:schemeClr val="lt1">
+              <a:hueOff val="0"/>
+              <a:satOff val="0"/>
+              <a:lumOff val="0"/>
+              <a:alphaOff val="0"/>
+            </a:schemeClr>
+          </a:solidFill>
+          <a:prstDash val="solid"/>
+        </a:ln>
+        <a:effectLst/>
+      </dsp:spPr>
+      <dsp:style>
+        <a:lnRef idx="2">
+          <a:scrgbClr r="0" g="0" b="0"/>
+        </a:lnRef>
+        <a:fillRef idx="1">
+          <a:scrgbClr r="0" g="0" b="0"/>
+        </a:fillRef>
+        <a:effectRef idx="0">
+          <a:scrgbClr r="0" g="0" b="0"/>
+        </a:effectRef>
+        <a:fontRef idx="minor">
+          <a:schemeClr val="lt1"/>
+        </a:fontRef>
+      </dsp:style>
+      <dsp:txBody>
+        <a:bodyPr spcFirstLastPara="0" vert="horz" wrap="square" lIns="290322" tIns="0" rIns="290322" bIns="0" numCol="1" spcCol="1270" anchor="ctr" anchorCtr="0">
+          <a:noAutofit/>
+        </a:bodyPr>
+        <a:lstStyle/>
+        <a:p>
+          <a:pPr marL="0" lvl="0" indent="0" algn="l" defTabSz="1200150">
+            <a:lnSpc>
+              <a:spcPct val="90000"/>
+            </a:lnSpc>
+            <a:spcBef>
+              <a:spcPct val="0"/>
+            </a:spcBef>
+            <a:spcAft>
+              <a:spcPct val="35000"/>
+            </a:spcAft>
+            <a:buFont typeface="Arial" panose="020B0604020202020204" pitchFamily="34" charset="0"/>
+            <a:buNone/>
+          </a:pPr>
+          <a:r>
+            <a:rPr lang="en-US" sz="2700" kern="1200" dirty="0"/>
+            <a:t>Get started for Team development</a:t>
+          </a:r>
+        </a:p>
+      </dsp:txBody>
+      <dsp:txXfrm>
+        <a:off x="587548" y="65609"/>
+        <a:ext cx="7603144" cy="719224"/>
+      </dsp:txXfrm>
+    </dsp:sp>
+    <dsp:sp modelId="{EFD14870-93CE-4A21-8B42-7EF2FD15D3DA}">
+      <dsp:nvSpPr>
+        <dsp:cNvPr id="0" name=""/>
+        <dsp:cNvSpPr/>
+      </dsp:nvSpPr>
+      <dsp:spPr>
+        <a:xfrm>
+          <a:off x="0" y="3095791"/>
+          <a:ext cx="10972800" cy="680400"/>
+        </a:xfrm>
+        <a:prstGeom prst="rect">
+          <a:avLst/>
+        </a:prstGeom>
+        <a:solidFill>
+          <a:schemeClr val="lt1">
+            <a:alpha val="90000"/>
+            <a:hueOff val="0"/>
+            <a:satOff val="0"/>
+            <a:lumOff val="0"/>
+            <a:alphaOff val="0"/>
+          </a:schemeClr>
+        </a:solidFill>
+        <a:ln w="10795" cap="flat" cmpd="sng" algn="ctr">
+          <a:solidFill>
+            <a:schemeClr val="accent1">
+              <a:hueOff val="0"/>
+              <a:satOff val="0"/>
+              <a:lumOff val="0"/>
+              <a:alphaOff val="0"/>
+            </a:schemeClr>
+          </a:solidFill>
+          <a:prstDash val="solid"/>
+        </a:ln>
+        <a:effectLst/>
+      </dsp:spPr>
+      <dsp:style>
+        <a:lnRef idx="2">
+          <a:scrgbClr r="0" g="0" b="0"/>
+        </a:lnRef>
+        <a:fillRef idx="1">
+          <a:scrgbClr r="0" g="0" b="0"/>
+        </a:fillRef>
+        <a:effectRef idx="0">
+          <a:scrgbClr r="0" g="0" b="0"/>
+        </a:effectRef>
+        <a:fontRef idx="minor"/>
+      </dsp:style>
+    </dsp:sp>
+    <dsp:sp modelId="{6423FB86-D3D1-4F22-BA14-E87200D77C39}">
+      <dsp:nvSpPr>
+        <dsp:cNvPr id="0" name=""/>
+        <dsp:cNvSpPr/>
+      </dsp:nvSpPr>
+      <dsp:spPr>
+        <a:xfrm>
+          <a:off x="548640" y="2697271"/>
+          <a:ext cx="7680960" cy="797040"/>
+        </a:xfrm>
+        <a:prstGeom prst="roundRect">
+          <a:avLst/>
+        </a:prstGeom>
+        <a:solidFill>
+          <a:schemeClr val="accent1">
+            <a:hueOff val="0"/>
+            <a:satOff val="0"/>
+            <a:lumOff val="0"/>
+            <a:alphaOff val="0"/>
+          </a:schemeClr>
+        </a:solidFill>
+        <a:ln w="10795" cap="flat" cmpd="sng" algn="ctr">
+          <a:solidFill>
+            <a:schemeClr val="lt1">
+              <a:hueOff val="0"/>
+              <a:satOff val="0"/>
+              <a:lumOff val="0"/>
+              <a:alphaOff val="0"/>
+            </a:schemeClr>
+          </a:solidFill>
+          <a:prstDash val="solid"/>
+        </a:ln>
+        <a:effectLst/>
+      </dsp:spPr>
+      <dsp:style>
+        <a:lnRef idx="2">
+          <a:scrgbClr r="0" g="0" b="0"/>
+        </a:lnRef>
+        <a:fillRef idx="1">
+          <a:scrgbClr r="0" g="0" b="0"/>
+        </a:fillRef>
+        <a:effectRef idx="0">
+          <a:scrgbClr r="0" g="0" b="0"/>
+        </a:effectRef>
+        <a:fontRef idx="minor">
+          <a:schemeClr val="lt1"/>
+        </a:fontRef>
+      </dsp:style>
+      <dsp:txBody>
+        <a:bodyPr spcFirstLastPara="0" vert="horz" wrap="square" lIns="290322" tIns="0" rIns="290322" bIns="0" numCol="1" spcCol="1270" anchor="ctr" anchorCtr="0">
+          <a:noAutofit/>
+        </a:bodyPr>
+        <a:lstStyle/>
+        <a:p>
+          <a:pPr marL="0" lvl="0" indent="0" algn="l" defTabSz="1200150">
+            <a:lnSpc>
+              <a:spcPct val="90000"/>
+            </a:lnSpc>
+            <a:spcBef>
+              <a:spcPct val="0"/>
+            </a:spcBef>
+            <a:spcAft>
+              <a:spcPct val="35000"/>
+            </a:spcAft>
+            <a:buFont typeface="Arial" panose="020B0604020202020204" pitchFamily="34" charset="0"/>
+            <a:buNone/>
+          </a:pPr>
+          <a:r>
+            <a:rPr lang="en-US" sz="2700" b="0" i="0" kern="1200" dirty="0"/>
+            <a:t>Create a custom bot</a:t>
+          </a:r>
+        </a:p>
+      </dsp:txBody>
+      <dsp:txXfrm>
+        <a:off x="587548" y="2736179"/>
+        <a:ext cx="7603144" cy="719224"/>
+      </dsp:txXfrm>
+    </dsp:sp>
+    <dsp:sp modelId="{B9CB0B97-C440-4A33-BDC9-E0ACC35CE69C}">
+      <dsp:nvSpPr>
+        <dsp:cNvPr id="0" name=""/>
+        <dsp:cNvSpPr/>
+      </dsp:nvSpPr>
+      <dsp:spPr>
+        <a:xfrm>
+          <a:off x="0" y="4320511"/>
+          <a:ext cx="10972800" cy="680400"/>
+        </a:xfrm>
+        <a:prstGeom prst="rect">
+          <a:avLst/>
+        </a:prstGeom>
+        <a:solidFill>
+          <a:schemeClr val="lt1">
+            <a:alpha val="90000"/>
+            <a:hueOff val="0"/>
+            <a:satOff val="0"/>
+            <a:lumOff val="0"/>
+            <a:alphaOff val="0"/>
+          </a:schemeClr>
+        </a:solidFill>
+        <a:ln w="10795" cap="flat" cmpd="sng" algn="ctr">
+          <a:solidFill>
+            <a:schemeClr val="accent1">
+              <a:hueOff val="0"/>
+              <a:satOff val="0"/>
+              <a:lumOff val="0"/>
+              <a:alphaOff val="0"/>
+            </a:schemeClr>
+          </a:solidFill>
+          <a:prstDash val="solid"/>
+        </a:ln>
+        <a:effectLst/>
+      </dsp:spPr>
+      <dsp:style>
+        <a:lnRef idx="2">
+          <a:scrgbClr r="0" g="0" b="0"/>
+        </a:lnRef>
+        <a:fillRef idx="1">
+          <a:scrgbClr r="0" g="0" b="0"/>
+        </a:fillRef>
+        <a:effectRef idx="0">
+          <a:scrgbClr r="0" g="0" b="0"/>
+        </a:effectRef>
+        <a:fontRef idx="minor"/>
+      </dsp:style>
+    </dsp:sp>
+    <dsp:sp modelId="{7C473869-855B-4497-8B2E-F0E7E6AA93A1}">
+      <dsp:nvSpPr>
+        <dsp:cNvPr id="0" name=""/>
+        <dsp:cNvSpPr/>
+      </dsp:nvSpPr>
+      <dsp:spPr>
+        <a:xfrm>
+          <a:off x="548640" y="3921991"/>
+          <a:ext cx="7680960" cy="797040"/>
+        </a:xfrm>
+        <a:prstGeom prst="roundRect">
+          <a:avLst/>
+        </a:prstGeom>
+        <a:solidFill>
+          <a:schemeClr val="accent1">
+            <a:hueOff val="0"/>
+            <a:satOff val="0"/>
+            <a:lumOff val="0"/>
+            <a:alphaOff val="0"/>
+          </a:schemeClr>
+        </a:solidFill>
+        <a:ln w="10795" cap="flat" cmpd="sng" algn="ctr">
+          <a:solidFill>
+            <a:schemeClr val="lt1">
+              <a:hueOff val="0"/>
+              <a:satOff val="0"/>
+              <a:lumOff val="0"/>
+              <a:alphaOff val="0"/>
+            </a:schemeClr>
+          </a:solidFill>
+          <a:prstDash val="solid"/>
+        </a:ln>
+        <a:effectLst/>
+      </dsp:spPr>
+      <dsp:style>
+        <a:lnRef idx="2">
+          <a:scrgbClr r="0" g="0" b="0"/>
+        </a:lnRef>
+        <a:fillRef idx="1">
+          <a:scrgbClr r="0" g="0" b="0"/>
+        </a:fillRef>
+        <a:effectRef idx="0">
+          <a:scrgbClr r="0" g="0" b="0"/>
+        </a:effectRef>
+        <a:fontRef idx="minor">
+          <a:schemeClr val="lt1"/>
+        </a:fontRef>
+      </dsp:style>
+      <dsp:txBody>
+        <a:bodyPr spcFirstLastPara="0" vert="horz" wrap="square" lIns="290322" tIns="0" rIns="290322" bIns="0" numCol="1" spcCol="1270" anchor="ctr" anchorCtr="0">
+          <a:noAutofit/>
+        </a:bodyPr>
+        <a:lstStyle/>
+        <a:p>
+          <a:pPr marL="0" lvl="0" indent="0" algn="l" defTabSz="1200150">
+            <a:lnSpc>
+              <a:spcPct val="90000"/>
+            </a:lnSpc>
+            <a:spcBef>
+              <a:spcPct val="0"/>
+            </a:spcBef>
+            <a:spcAft>
+              <a:spcPct val="35000"/>
+            </a:spcAft>
+            <a:buFont typeface="Arial" panose="020B0604020202020204" pitchFamily="34" charset="0"/>
+            <a:buNone/>
+          </a:pPr>
+          <a:r>
+            <a:rPr lang="en-US" sz="2700" b="0" i="0" kern="1200" dirty="0"/>
+            <a:t>Create a custom Tab</a:t>
+          </a:r>
+        </a:p>
+      </dsp:txBody>
+      <dsp:txXfrm>
+        <a:off x="587548" y="3960899"/>
+        <a:ext cx="7603144" cy="719224"/>
+      </dsp:txXfrm>
+    </dsp:sp>
+  </dsp:spTree>
+</dsp:drawing>
+</file>
+
+<file path=ppt/diagrams/layout1.xml><?xml version="1.0" encoding="utf-8"?>
+<dgm:layoutDef xmlns:dgm="http://schemas.openxmlformats.org/drawingml/2006/diagram" xmlns:a="http://schemas.openxmlformats.org/drawingml/2006/main" uniqueId="urn:microsoft.com/office/officeart/2005/8/layout/list1">
+  <dgm:title val=""/>
+  <dgm:desc val=""/>
+  <dgm:catLst>
+    <dgm:cat type="list" pri="4000"/>
+  </dgm:catLst>
+  <dgm:sampData>
+    <dgm:dataModel>
+      <dgm:ptLst>
+        <dgm:pt modelId="0" type="doc"/>
+        <dgm:pt modelId="1">
+          <dgm:prSet phldr="1"/>
+        </dgm:pt>
+        <dgm:pt modelId="2">
+          <dgm:prSet phldr="1"/>
+        </dgm:pt>
+        <dgm:pt modelId="3">
+          <dgm:prSet phldr="1"/>
+        </dgm:pt>
+      </dgm:ptLst>
+      <dgm:cxnLst>
+        <dgm:cxn modelId="4" srcId="0" destId="1" srcOrd="0" destOrd="0"/>
+        <dgm:cxn modelId="5" srcId="0" destId="2" srcOrd="1" destOrd="0"/>
+        <dgm:cxn modelId="6" srcId="0" destId="3" srcOrd="2" destOrd="0"/>
+      </dgm:cxnLst>
+      <dgm:bg/>
+      <dgm:whole/>
+    </dgm:dataModel>
+  </dgm:sampData>
+  <dgm:styleData>
+    <dgm:dataModel>
+      <dgm:ptLst>
+        <dgm:pt modelId="0" type="doc"/>
+        <dgm:pt modelId="1"/>
+        <dgm:pt modelId="2"/>
+      </dgm:ptLst>
+      <dgm:cxnLst>
+        <dgm:cxn modelId="4" srcId="0" destId="1" srcOrd="0" destOrd="0"/>
+        <dgm:cxn modelId="5" srcId="0" destId="2" srcOrd="1" destOrd="0"/>
+      </dgm:cxnLst>
+      <dgm:bg/>
+      <dgm:whole/>
+    </dgm:dataModel>
+  </dgm:styleData>
+  <dgm:clrData>
+    <dgm:dataModel>
+      <dgm:ptLst>
+        <dgm:pt modelId="0" type="doc"/>
+        <dgm:pt modelId="1"/>
+        <dgm:pt modelId="2"/>
+        <dgm:pt modelId="3"/>
+        <dgm:pt modelId="4"/>
+      </dgm:ptLst>
+      <dgm:cxnLst>
+        <dgm:cxn modelId="5" srcId="0" destId="1" srcOrd="0" destOrd="0"/>
+        <dgm:cxn modelId="6" srcId="0" destId="2" srcOrd="1" destOrd="0"/>
+        <dgm:cxn modelId="7" srcId="0" destId="3" srcOrd="2" destOrd="0"/>
+        <dgm:cxn modelId="8" srcId="0" destId="4" srcOrd="3" destOrd="0"/>
+      </dgm:cxnLst>
+      <dgm:bg/>
+      <dgm:whole/>
+    </dgm:dataModel>
+  </dgm:clrData>
+  <dgm:layoutNode name="linear">
+    <dgm:varLst>
+      <dgm:dir/>
+      <dgm:animLvl val="lvl"/>
+      <dgm:resizeHandles val="exact"/>
+    </dgm:varLst>
+    <dgm:choose name="Name0">
+      <dgm:if name="Name1" func="var" arg="dir" op="equ" val="norm">
+        <dgm:alg type="lin">
+          <dgm:param type="linDir" val="fromT"/>
+          <dgm:param type="vertAlign" val="mid"/>
+          <dgm:param type="horzAlign" val="l"/>
+          <dgm:param type="nodeHorzAlign" val="l"/>
+        </dgm:alg>
+      </dgm:if>
+      <dgm:else name="Name2">
+        <dgm:alg type="lin">
+          <dgm:param type="linDir" val="fromT"/>
+          <dgm:param type="vertAlign" val="mid"/>
+          <dgm:param type="horzAlign" val="r"/>
+          <dgm:param type="nodeHorzAlign" val="r"/>
+        </dgm:alg>
+      </dgm:else>
+    </dgm:choose>
+    <dgm:shape xmlns:r="http://schemas.openxmlformats.org/officeDocument/2006/relationships" r:blip="">
+      <dgm:adjLst/>
+    </dgm:shape>
+    <dgm:presOf/>
+    <dgm:constrLst>
+      <dgm:constr type="w" for="ch" forName="parentLin" refType="w"/>
+      <dgm:constr type="h" for="ch" forName="parentLin" val="INF"/>
+      <dgm:constr type="w" for="des" forName="parentLeftMargin" refType="w" fact="0.05"/>
+      <dgm:constr type="w" for="des" forName="parentText" refType="w" fact="0.7"/>
+      <dgm:constr type="h" for="des" forName="parentText" refType="primFontSz" refFor="des" refForName="parentText" fact="0.82"/>
+      <dgm:constr type="h" for="ch" forName="negativeSpace" refType="primFontSz" refFor="des" refForName="parentText" fact="-0.41"/>
+      <dgm:constr type="h" for="ch" forName="negativeSpace" refType="h" refFor="des" refForName="parentText" op="lte" fact="-0.82"/>
+      <dgm:constr type="h" for="ch" forName="negativeSpace" refType="h" refFor="des" refForName="parentText" op="gte" fact="-0.82"/>
+      <dgm:constr type="w" for="ch" forName="childText" refType="w"/>
+      <dgm:constr type="h" for="ch" forName="childText" refType="primFontSz" refFor="des" refForName="parentText" fact="0.7"/>
+      <dgm:constr type="primFontSz" for="des" forName="parentText" val="65"/>
+      <dgm:constr type="primFontSz" for="ch" forName="childText" refType="primFontSz" refFor="des" refForName="parentText"/>
+      <dgm:constr type="tMarg" for="ch" forName="childText" refType="primFontSz" refFor="des" refForName="parentText" fact="1.64"/>
+      <dgm:constr type="tMarg" for="ch" forName="childText" refType="h" refFor="des" refForName="parentText" op="lte" fact="3.28"/>
+      <dgm:constr type="tMarg" for="ch" forName="childText" refType="h" refFor="des" refForName="parentText" op="gte" fact="3.28"/>
+      <dgm:constr type="lMarg" for="ch" forName="childText" refType="w" fact="0.22"/>
+      <dgm:constr type="rMarg" for="ch" forName="childText" refType="lMarg" refFor="ch" refForName="childText"/>
+      <dgm:constr type="lMarg" for="des" forName="parentText" refType="w" fact="0.075"/>
+      <dgm:constr type="rMarg" for="des" forName="parentText" refType="lMarg" refFor="des" refForName="parentText"/>
+      <dgm:constr type="h" for="ch" forName="spaceBetweenRectangles" refType="primFontSz" refFor="des" refForName="parentText" fact="0.15"/>
+    </dgm:constrLst>
+    <dgm:ruleLst>
+      <dgm:rule type="primFontSz" for="des" forName="parentText" val="5" fact="NaN" max="NaN"/>
+    </dgm:ruleLst>
+    <dgm:forEach name="Name3" axis="ch" ptType="node">
+      <dgm:layoutNode name="parentLin">
+        <dgm:choose name="Name4">
+          <dgm:if name="Name5" func="var" arg="dir" op="equ" val="norm">
+            <dgm:alg type="lin">
+              <dgm:param type="linDir" val="fromL"/>
+              <dgm:param type="horzAlign" val="l"/>
+              <dgm:param type="nodeHorzAlign" val="l"/>
+            </dgm:alg>
+          </dgm:if>
+          <dgm:else name="Name6">
+            <dgm:alg type="lin">
+              <dgm:param type="linDir" val="fromR"/>
+              <dgm:param type="horzAlign" val="r"/>
+              <dgm:param type="nodeHorzAlign" val="r"/>
+            </dgm:alg>
+          </dgm:else>
+        </dgm:choose>
+        <dgm:shape xmlns:r="http://schemas.openxmlformats.org/officeDocument/2006/relationships" r:blip="">
+          <dgm:adjLst/>
+        </dgm:shape>
+        <dgm:presOf/>
+        <dgm:constrLst/>
+        <dgm:ruleLst/>
+        <dgm:layoutNode name="parentLeftMargin">
+          <dgm:alg type="sp"/>
+          <dgm:shape xmlns:r="http://schemas.openxmlformats.org/officeDocument/2006/relationships" type="rect" r:blip="" hideGeom="1">
+            <dgm:adjLst/>
+          </dgm:shape>
+          <dgm:presOf axis="self"/>
+          <dgm:constrLst>
+            <dgm:constr type="h"/>
+          </dgm:constrLst>
+          <dgm:ruleLst/>
+        </dgm:layoutNode>
+        <dgm:layoutNode name="parentText" styleLbl="node1">
+          <dgm:varLst>
+            <dgm:chMax val="0"/>
+            <dgm:bulletEnabled val="1"/>
+          </dgm:varLst>
+          <dgm:choose name="Name7">
+            <dgm:if name="Name8" func="var" arg="dir" op="equ" val="norm">
+              <dgm:alg type="tx">
+                <dgm:param type="parTxLTRAlign" val="l"/>
+                <dgm:param type="parTxRTLAlign" val="l"/>
+              </dgm:alg>
+            </dgm:if>
+            <dgm:else name="Name9">
+              <dgm:alg type="tx">
+                <dgm:param type="parTxLTRAlign" val="r"/>
+                <dgm:param type="parTxRTLAlign" val="r"/>
+              </dgm:alg>
+            </dgm:else>
+          </dgm:choose>
+          <dgm:shape xmlns:r="http://schemas.openxmlformats.org/officeDocument/2006/relationships" type="roundRect" r:blip="">
+            <dgm:adjLst/>
+          </dgm:shape>
+          <dgm:presOf axis="self" ptType="node"/>
+          <dgm:constrLst>
+            <dgm:constr type="tMarg"/>
+            <dgm:constr type="bMarg"/>
+          </dgm:constrLst>
+          <dgm:ruleLst/>
+        </dgm:layoutNode>
+      </dgm:layoutNode>
+      <dgm:layoutNode name="negativeSpace">
+        <dgm:alg type="sp"/>
+        <dgm:shape xmlns:r="http://schemas.openxmlformats.org/officeDocument/2006/relationships" r:blip="">
+          <dgm:adjLst/>
+        </dgm:shape>
+        <dgm:presOf/>
+        <dgm:constrLst/>
+        <dgm:ruleLst/>
+      </dgm:layoutNode>
+      <dgm:layoutNode name="childText" styleLbl="conFgAcc1">
+        <dgm:varLst>
+          <dgm:bulletEnabled val="1"/>
+        </dgm:varLst>
+        <dgm:alg type="tx">
+          <dgm:param type="stBulletLvl" val="1"/>
+        </dgm:alg>
+        <dgm:shape xmlns:r="http://schemas.openxmlformats.org/officeDocument/2006/relationships" type="rect" r:blip="" zOrderOff="-2">
+          <dgm:adjLst/>
+        </dgm:shape>
+        <dgm:presOf axis="des" ptType="node"/>
+        <dgm:constrLst>
+          <dgm:constr type="secFontSz" refType="primFontSz"/>
+        </dgm:constrLst>
+        <dgm:ruleLst>
+          <dgm:rule type="h" val="INF" fact="NaN" max="NaN"/>
+        </dgm:ruleLst>
+      </dgm:layoutNode>
+      <dgm:forEach name="Name10" axis="followSib" ptType="sibTrans" cnt="1">
+        <dgm:layoutNode name="spaceBetweenRectangles">
+          <dgm:alg type="sp"/>
+          <dgm:shape xmlns:r="http://schemas.openxmlformats.org/officeDocument/2006/relationships" r:blip="">
+            <dgm:adjLst/>
+          </dgm:shape>
+          <dgm:presOf/>
+          <dgm:constrLst/>
+          <dgm:ruleLst/>
+        </dgm:layoutNode>
+      </dgm:forEach>
+    </dgm:forEach>
+  </dgm:layoutNode>
+</dgm:layoutDef>
+</file>
+
+<file path=ppt/diagrams/quickStyle1.xml><?xml version="1.0" encoding="utf-8"?>
+<dgm:styleDef xmlns:dgm="http://schemas.openxmlformats.org/drawingml/2006/diagram" xmlns:a="http://schemas.openxmlformats.org/drawingml/2006/main" uniqueId="urn:microsoft.com/office/officeart/2005/8/quickstyle/simple1">
+  <dgm:title val=""/>
+  <dgm:desc val=""/>
+  <dgm:catLst>
+    <dgm:cat type="simple" pri="10100"/>
+  </dgm:catLst>
+  <dgm:scene3d>
+    <a:camera prst="orthographicFront"/>
+    <a:lightRig rig="threePt" dir="t"/>
+  </dgm:scene3d>
+  <dgm:styleLbl name="node0">
+    <dgm:scene3d>
+      <a:camera prst="orthographicFront"/>
+      <a:lightRig rig="threePt" dir="t"/>
+    </dgm:scene3d>
+    <dgm:sp3d/>
+    <dgm:txPr/>
+    <dgm:style>
+      <a:lnRef idx="2">
+        <a:scrgbClr r="0" g="0" b="0"/>
+      </a:lnRef>
+      <a:fillRef idx="1">
+        <a:scrgbClr r="0" g="0" b="0"/>
+      </a:fillRef>
+      <a:effectRef idx="0">
+        <a:scrgbClr r="0" g="0" b="0"/>
+      </a:effectRef>
+      <a:fontRef idx="minor">
+        <a:schemeClr val="lt1"/>
+      </a:fontRef>
+    </dgm:style>
+  </dgm:styleLbl>
+  <dgm:styleLbl name="lnNode1">
+    <dgm:scene3d>
+      <a:camera prst="orthographicFront"/>
+      <a:lightRig rig="threePt" dir="t"/>
+    </dgm:scene3d>
+    <dgm:sp3d/>
+    <dgm:txPr/>
+    <dgm:style>
+      <a:lnRef idx="2">
+        <a:scrgbClr r="0" g="0" b="0"/>
+      </a:lnRef>
+      <a:fillRef idx="1">
+        <a:scrgbClr r="0" g="0" b="0"/>
+      </a:fillRef>
+      <a:effectRef idx="0">
+        <a:scrgbClr r="0" g="0" b="0"/>
+      </a:effectRef>
+      <a:fontRef idx="minor">
+        <a:schemeClr val="lt1"/>
+      </a:fontRef>
+    </dgm:style>
+  </dgm:styleLbl>
+  <dgm:styleLbl name="vennNode1">
+    <dgm:scene3d>
+      <a:camera prst="orthographicFront"/>
+      <a:lightRig rig="threePt" dir="t"/>
+    </dgm:scene3d>
+    <dgm:sp3d/>
+    <dgm:txPr/>
+    <dgm:style>
+      <a:lnRef idx="2">
+        <a:scrgbClr r="0" g="0" b="0"/>
+      </a:lnRef>
+      <a:fillRef idx="1">
+        <a:scrgbClr r="0" g="0" b="0"/>
+      </a:fillRef>
+      <a:effectRef idx="0">
+        <a:scrgbClr r="0" g="0" b="0"/>
+      </a:effectRef>
+      <a:fontRef idx="minor">
+        <a:schemeClr val="tx1"/>
+      </a:fontRef>
+    </dgm:style>
+  </dgm:styleLbl>
+  <dgm:styleLbl name="alignNode1">
+    <dgm:scene3d>
+      <a:camera prst="orthographicFront"/>
+      <a:lightRig rig="threePt" dir="t"/>
+    </dgm:scene3d>
+    <dgm:sp3d/>
+    <dgm:txPr/>
+    <dgm:style>
+      <a:lnRef idx="2">
+        <a:scrgbClr r="0" g="0" b="0"/>
+      </a:lnRef>
+      <a:fillRef idx="1">
+        <a:scrgbClr r="0" g="0" b="0"/>
+      </a:fillRef>
+      <a:effectRef idx="0">
+        <a:scrgbClr r="0" g="0" b="0"/>
+      </a:effectRef>
+      <a:fontRef idx="minor">
+        <a:schemeClr val="lt1"/>
+      </a:fontRef>
+    </dgm:style>
+  </dgm:styleLbl>
+  <dgm:styleLbl name="node1">
+    <dgm:scene3d>
+      <a:camera prst="orthographicFront"/>
+      <a:lightRig rig="threePt" dir="t"/>
+    </dgm:scene3d>
+    <dgm:sp3d/>
+    <dgm:txPr/>
+    <dgm:style>
+      <a:lnRef idx="2">
+        <a:scrgbClr r="0" g="0" b="0"/>
+      </a:lnRef>
+      <a:fillRef idx="1">
+        <a:scrgbClr r="0" g="0" b="0"/>
+      </a:fillRef>
+      <a:effectRef idx="0">
+        <a:scrgbClr r="0" g="0" b="0"/>
+      </a:effectRef>
+      <a:fontRef idx="minor">
+        <a:schemeClr val="lt1"/>
+      </a:fontRef>
+    </dgm:style>
+  </dgm:styleLbl>
+  <dgm:styleLbl name="node2">
+    <dgm:scene3d>
+      <a:camera prst="orthographicFront"/>
+      <a:lightRig rig="threePt" dir="t"/>
+    </dgm:scene3d>
+    <dgm:sp3d/>
+    <dgm:txPr/>
+    <dgm:style>
+      <a:lnRef idx="2">
+        <a:scrgbClr r="0" g="0" b="0"/>
+      </a:lnRef>
+      <a:fillRef idx="1">
+        <a:scrgbClr r="0" g="0" b="0"/>
+      </a:fillRef>
+      <a:effectRef idx="0">
+        <a:scrgbClr r="0" g="0" b="0"/>
+      </a:effectRef>
+      <a:fontRef idx="minor">
+        <a:schemeClr val="lt1"/>
+      </a:fontRef>
+    </dgm:style>
+  </dgm:styleLbl>
+  <dgm:styleLbl name="node3">
+    <dgm:scene3d>
+      <a:camera prst="orthographicFront"/>
+      <a:lightRig rig="threePt" dir="t"/>
+    </dgm:scene3d>
+    <dgm:sp3d/>
+    <dgm:txPr/>
+    <dgm:style>
+      <a:lnRef idx="2">
+        <a:scrgbClr r="0" g="0" b="0"/>
+      </a:lnRef>
+      <a:fillRef idx="1">
+        <a:scrgbClr r="0" g="0" b="0"/>
+      </a:fillRef>
+      <a:effectRef idx="0">
+        <a:scrgbClr r="0" g="0" b="0"/>
+      </a:effectRef>
+      <a:fontRef idx="minor">
+        <a:schemeClr val="lt1"/>
+      </a:fontRef>
+    </dgm:style>
+  </dgm:styleLbl>
+  <dgm:styleLbl name="node4">
+    <dgm:scene3d>
+      <a:camera prst="orthographicFront"/>
+      <a:lightRig rig="threePt" dir="t"/>
+    </dgm:scene3d>
+    <dgm:sp3d/>
+    <dgm:txPr/>
+    <dgm:style>
+      <a:lnRef idx="2">
+        <a:scrgbClr r="0" g="0" b="0"/>
+      </a:lnRef>
+      <a:fillRef idx="1">
+        <a:scrgbClr r="0" g="0" b="0"/>
+      </a:fillRef>
+      <a:effectRef idx="0">
+        <a:scrgbClr r="0" g="0" b="0"/>
+      </a:effectRef>
+      <a:fontRef idx="minor">
+        <a:schemeClr val="lt1"/>
+      </a:fontRef>
+    </dgm:style>
+  </dgm:styleLbl>
+  <dgm:styleLbl name="fgImgPlace1">
+    <dgm:scene3d>
+      <a:camera prst="orthographicFront"/>
+      <a:lightRig rig="threePt" dir="t"/>
+    </dgm:scene3d>
+    <dgm:sp3d/>
+    <dgm:txPr/>
+    <dgm:style>
+      <a:lnRef idx="2">
+        <a:scrgbClr r="0" g="0" b="0"/>
+      </a:lnRef>
+      <a:fillRef idx="1">
+        <a:scrgbClr r="0" g="0" b="0"/>
+      </a:fillRef>
+      <a:effectRef idx="0">
+        <a:scrgbClr r="0" g="0" b="0"/>
+      </a:effectRef>
+      <a:fontRef idx="minor"/>
+    </dgm:style>
+  </dgm:styleLbl>
+  <dgm:styleLbl name="alignImgPlace1">
+    <dgm:scene3d>
+      <a:camera prst="orthographicFront"/>
+      <a:lightRig rig="threePt" dir="t"/>
+    </dgm:scene3d>
+    <dgm:sp3d/>
+    <dgm:txPr/>
+    <dgm:style>
+      <a:lnRef idx="2">
+        <a:scrgbClr r="0" g="0" b="0"/>
+      </a:lnRef>
+      <a:fillRef idx="1">
+        <a:scrgbClr r="0" g="0" b="0"/>
+      </a:fillRef>
+      <a:effectRef idx="0">
+        <a:scrgbClr r="0" g="0" b="0"/>
+      </a:effectRef>
+      <a:fontRef idx="minor"/>
+    </dgm:style>
+  </dgm:styleLbl>
+  <dgm:styleLbl name="bgImgPlace1">
+    <dgm:scene3d>
+      <a:camera prst="orthographicFront"/>
+      <a:lightRig rig="threePt" dir="t"/>
+    </dgm:scene3d>
+    <dgm:sp3d/>
+    <dgm:txPr/>
+    <dgm:style>
+      <a:lnRef idx="2">
+        <a:scrgbClr r="0" g="0" b="0"/>
+      </a:lnRef>
+      <a:fillRef idx="1">
+        <a:scrgbClr r="0" g="0" b="0"/>
+      </a:fillRef>
+      <a:effectRef idx="0">
+        <a:scrgbClr r="0" g="0" b="0"/>
+      </a:effectRef>
+      <a:fontRef idx="minor"/>
+    </dgm:style>
+  </dgm:styleLbl>
+  <dgm:styleLbl name="sibTrans2D1">
+    <dgm:scene3d>
+      <a:camera prst="orthographicFront"/>
+      <a:lightRig rig="threePt" dir="t"/>
+    </dgm:scene3d>
+    <dgm:sp3d/>
+    <dgm:txPr/>
+    <dgm:style>
+      <a:lnRef idx="0">
+        <a:scrgbClr r="0" g="0" b="0"/>
+      </a:lnRef>
+      <a:fillRef idx="1">
+        <a:scrgbClr r="0" g="0" b="0"/>
+      </a:fillRef>
+      <a:effectRef idx="0">
+        <a:scrgbClr r="0" g="0" b="0"/>
+      </a:effectRef>
+      <a:fontRef idx="minor">
+        <a:schemeClr val="lt1"/>
+      </a:fontRef>
+    </dgm:style>
+  </dgm:styleLbl>
+  <dgm:styleLbl name="fgSibTrans2D1">
+    <dgm:scene3d>
+      <a:camera prst="orthographicFront"/>
+      <a:lightRig rig="threePt" dir="t"/>
+    </dgm:scene3d>
+    <dgm:sp3d/>
+    <dgm:txPr/>
+    <dgm:style>
+      <a:lnRef idx="0">
+        <a:scrgbClr r="0" g="0" b="0"/>
+      </a:lnRef>
+      <a:fillRef idx="1">
+        <a:scrgbClr r="0" g="0" b="0"/>
+      </a:fillRef>
+      <a:effectRef idx="0">
+        <a:scrgbClr r="0" g="0" b="0"/>
+      </a:effectRef>
+      <a:fontRef idx="minor">
+        <a:schemeClr val="lt1"/>
+      </a:fontRef>
+    </dgm:style>
+  </dgm:styleLbl>
+  <dgm:styleLbl name="bgSibTrans2D1">
+    <dgm:scene3d>
+      <a:camera prst="orthographicFront"/>
+      <a:lightRig rig="threePt" dir="t"/>
+    </dgm:scene3d>
+    <dgm:sp3d/>
+    <dgm:txPr/>
+    <dgm:style>
+      <a:lnRef idx="0">
+        <a:scrgbClr r="0" g="0" b="0"/>
+      </a:lnRef>
+      <a:fillRef idx="1">
+        <a:scrgbClr r="0" g="0" b="0"/>
+      </a:fillRef>
+      <a:effectRef idx="0">
+        <a:scrgbClr r="0" g="0" b="0"/>
+      </a:effectRef>
+      <a:fontRef idx="minor">
+        <a:schemeClr val="lt1"/>
+      </a:fontRef>
+    </dgm:style>
+  </dgm:styleLbl>
+  <dgm:styleLbl name="sibTrans1D1">
+    <dgm:scene3d>
+      <a:camera prst="orthographicFront"/>
+      <a:lightRig rig="threePt" dir="t"/>
+    </dgm:scene3d>
+    <dgm:sp3d/>
+    <dgm:txPr/>
+    <dgm:style>
+      <a:lnRef idx="1">
+        <a:scrgbClr r="0" g="0" b="0"/>
+      </a:lnRef>
+      <a:fillRef idx="0">
+        <a:scrgbClr r="0" g="0" b="0"/>
+      </a:fillRef>
+      <a:effectRef idx="0">
+        <a:scrgbClr r="0" g="0" b="0"/>
+      </a:effectRef>
+      <a:fontRef idx="minor"/>
+    </dgm:style>
+  </dgm:styleLbl>
+  <dgm:styleLbl name="callout">
+    <dgm:scene3d>
+      <a:camera prst="orthographicFront"/>
+      <a:lightRig rig="threePt" dir="t"/>
+    </dgm:scene3d>
+    <dgm:sp3d/>
+    <dgm:txPr/>
+    <dgm:style>
+      <a:lnRef idx="2">
+        <a:scrgbClr r="0" g="0" b="0"/>
+      </a:lnRef>
+      <a:fillRef idx="1">
+        <a:scrgbClr r="0" g="0" b="0"/>
+      </a:fillRef>
+      <a:effectRef idx="0">
+        <a:scrgbClr r="0" g="0" b="0"/>
+      </a:effectRef>
+      <a:fontRef idx="minor"/>
+    </dgm:style>
+  </dgm:styleLbl>
+  <dgm:styleLbl name="asst0">
+    <dgm:scene3d>
+      <a:camera prst="orthographicFront"/>
+      <a:lightRig rig="threePt" dir="t"/>
+    </dgm:scene3d>
+    <dgm:sp3d/>
+    <dgm:txPr/>
+    <dgm:style>
+      <a:lnRef idx="2">
+        <a:scrgbClr r="0" g="0" b="0"/>
+      </a:lnRef>
+      <a:fillRef idx="1">
+        <a:scrgbClr r="0" g="0" b="0"/>
+      </a:fillRef>
+      <a:effectRef idx="0">
+        <a:scrgbClr r="0" g="0" b="0"/>
+      </a:effectRef>
+      <a:fontRef idx="minor">
+        <a:schemeClr val="lt1"/>
+      </a:fontRef>
+    </dgm:style>
+  </dgm:styleLbl>
+  <dgm:styleLbl name="asst1">
+    <dgm:scene3d>
+      <a:camera prst="orthographicFront"/>
+      <a:lightRig rig="threePt" dir="t"/>
+    </dgm:scene3d>
+    <dgm:sp3d/>
+    <dgm:txPr/>
+    <dgm:style>
+      <a:lnRef idx="2">
+        <a:scrgbClr r="0" g="0" b="0"/>
+      </a:lnRef>
+      <a:fillRef idx="1">
+        <a:scrgbClr r="0" g="0" b="0"/>
+      </a:fillRef>
+      <a:effectRef idx="0">
+        <a:scrgbClr r="0" g="0" b="0"/>
+      </a:effectRef>
+      <a:fontRef idx="minor">
+        <a:schemeClr val="lt1"/>
+      </a:fontRef>
+    </dgm:style>
+  </dgm:styleLbl>
+  <dgm:styleLbl name="asst2">
+    <dgm:scene3d>
+      <a:camera prst="orthographicFront"/>
+      <a:lightRig rig="threePt" dir="t"/>
+    </dgm:scene3d>
+    <dgm:sp3d/>
+    <dgm:txPr/>
+    <dgm:style>
+      <a:lnRef idx="2">
+        <a:scrgbClr r="0" g="0" b="0"/>
+      </a:lnRef>
+      <a:fillRef idx="1">
+        <a:scrgbClr r="0" g="0" b="0"/>
+      </a:fillRef>
+      <a:effectRef idx="0">
+        <a:scrgbClr r="0" g="0" b="0"/>
+      </a:effectRef>
+      <a:fontRef idx="minor">
+        <a:schemeClr val="lt1"/>
+      </a:fontRef>
+    </dgm:style>
+  </dgm:styleLbl>
+  <dgm:styleLbl name="asst3">
+    <dgm:scene3d>
+      <a:camera prst="orthographicFront"/>
+      <a:lightRig rig="threePt" dir="t"/>
+    </dgm:scene3d>
+    <dgm:sp3d/>
+    <dgm:txPr/>
+    <dgm:style>
+      <a:lnRef idx="2">
+        <a:scrgbClr r="0" g="0" b="0"/>
+      </a:lnRef>
+      <a:fillRef idx="1">
+        <a:scrgbClr r="0" g="0" b="0"/>
+      </a:fillRef>
+      <a:effectRef idx="0">
+        <a:scrgbClr r="0" g="0" b="0"/>
+      </a:effectRef>
+      <a:fontRef idx="minor">
+        <a:schemeClr val="lt1"/>
+      </a:fontRef>
+    </dgm:style>
+  </dgm:styleLbl>
+  <dgm:styleLbl name="asst4">
+    <dgm:scene3d>
+      <a:camera prst="orthographicFront"/>
+      <a:lightRig rig="threePt" dir="t"/>
+    </dgm:scene3d>
+    <dgm:sp3d/>
+    <dgm:txPr/>
+    <dgm:style>
+      <a:lnRef idx="2">
+        <a:scrgbClr r="0" g="0" b="0"/>
+      </a:lnRef>
+      <a:fillRef idx="1">
+        <a:scrgbClr r="0" g="0" b="0"/>
+      </a:fillRef>
+      <a:effectRef idx="0">
+        <a:scrgbClr r="0" g="0" b="0"/>
+      </a:effectRef>
+      <a:fontRef idx="minor">
+        <a:schemeClr val="lt1"/>
+      </a:fontRef>
+    </dgm:style>
+  </dgm:styleLbl>
+  <dgm:styleLbl name="parChTrans2D1">
+    <dgm:scene3d>
+      <a:camera prst="orthographicFront"/>
+      <a:lightRig rig="threePt" dir="t"/>
+    </dgm:scene3d>
+    <dgm:sp3d/>
+    <dgm:txPr/>
+    <dgm:style>
+      <a:lnRef idx="2">
+        <a:scrgbClr r="0" g="0" b="0"/>
+      </a:lnRef>
+      <a:fillRef idx="1">
+        <a:scrgbClr r="0" g="0" b="0"/>
+      </a:fillRef>
+      <a:effectRef idx="0">
+        <a:scrgbClr r="0" g="0" b="0"/>
+      </a:effectRef>
+      <a:fontRef idx="minor">
+        <a:schemeClr val="lt1"/>
+      </a:fontRef>
+    </dgm:style>
+  </dgm:styleLbl>
+  <dgm:styleLbl name="parChTrans2D2">
+    <dgm:scene3d>
+      <a:camera prst="orthographicFront"/>
+      <a:lightRig rig="threePt" dir="t"/>
+    </dgm:scene3d>
+    <dgm:sp3d/>
+    <dgm:txPr/>
+    <dgm:style>
+      <a:lnRef idx="2">
+        <a:scrgbClr r="0" g="0" b="0"/>
+      </a:lnRef>
+      <a:fillRef idx="1">
+        <a:scrgbClr r="0" g="0" b="0"/>
+      </a:fillRef>
+      <a:effectRef idx="0">
+        <a:scrgbClr r="0" g="0" b="0"/>
+      </a:effectRef>
+      <a:fontRef idx="minor">
+        <a:schemeClr val="lt1"/>
+      </a:fontRef>
+    </dgm:style>
+  </dgm:styleLbl>
+  <dgm:styleLbl name="parChTrans2D3">
+    <dgm:scene3d>
+      <a:camera prst="orthographicFront"/>
+      <a:lightRig rig="threePt" dir="t"/>
+    </dgm:scene3d>
+    <dgm:sp3d/>
+    <dgm:txPr/>
+    <dgm:style>
+      <a:lnRef idx="2">
+        <a:scrgbClr r="0" g="0" b="0"/>
+      </a:lnRef>
+      <a:fillRef idx="1">
+        <a:scrgbClr r="0" g="0" b="0"/>
+      </a:fillRef>
+      <a:effectRef idx="0">
+        <a:scrgbClr r="0" g="0" b="0"/>
+      </a:effectRef>
+      <a:fontRef idx="minor">
+        <a:schemeClr val="lt1"/>
+      </a:fontRef>
+    </dgm:style>
+  </dgm:styleLbl>
+  <dgm:styleLbl name="parChTrans2D4">
+    <dgm:scene3d>
+      <a:camera prst="orthographicFront"/>
+      <a:lightRig rig="threePt" dir="t"/>
+    </dgm:scene3d>
+    <dgm:sp3d/>
+    <dgm:txPr/>
+    <dgm:style>
+      <a:lnRef idx="2">
+        <a:scrgbClr r="0" g="0" b="0"/>
+      </a:lnRef>
+      <a:fillRef idx="1">
+        <a:scrgbClr r="0" g="0" b="0"/>
+      </a:fillRef>
+      <a:effectRef idx="0">
+        <a:scrgbClr r="0" g="0" b="0"/>
+      </a:effectRef>
+      <a:fontRef idx="minor">
+        <a:schemeClr val="lt1"/>
+      </a:fontRef>
+    </dgm:style>
+  </dgm:styleLbl>
+  <dgm:styleLbl name="parChTrans1D1">
+    <dgm:scene3d>
+      <a:camera prst="orthographicFront"/>
+      <a:lightRig rig="threePt" dir="t"/>
+    </dgm:scene3d>
+    <dgm:sp3d/>
+    <dgm:txPr/>
+    <dgm:style>
+      <a:lnRef idx="2">
+        <a:scrgbClr r="0" g="0" b="0"/>
+      </a:lnRef>
+      <a:fillRef idx="0">
+        <a:scrgbClr r="0" g="0" b="0"/>
+      </a:fillRef>
+      <a:effectRef idx="0">
+        <a:scrgbClr r="0" g="0" b="0"/>
+      </a:effectRef>
+      <a:fontRef idx="minor"/>
+    </dgm:style>
+  </dgm:styleLbl>
+  <dgm:styleLbl name="parChTrans1D2">
+    <dgm:scene3d>
+      <a:camera prst="orthographicFront"/>
+      <a:lightRig rig="threePt" dir="t"/>
+    </dgm:scene3d>
+    <dgm:sp3d/>
+    <dgm:txPr/>
+    <dgm:style>
+      <a:lnRef idx="2">
+        <a:scrgbClr r="0" g="0" b="0"/>
+      </a:lnRef>
+      <a:fillRef idx="0">
+        <a:scrgbClr r="0" g="0" b="0"/>
+      </a:fillRef>
+      <a:effectRef idx="0">
+        <a:scrgbClr r="0" g="0" b="0"/>
+      </a:effectRef>
+      <a:fontRef idx="minor"/>
+    </dgm:style>
+  </dgm:styleLbl>
+  <dgm:styleLbl name="parChTrans1D3">
+    <dgm:scene3d>
+      <a:camera prst="orthographicFront"/>
+      <a:lightRig rig="threePt" dir="t"/>
+    </dgm:scene3d>
+    <dgm:sp3d/>
+    <dgm:txPr/>
+    <dgm:style>
+      <a:lnRef idx="2">
+        <a:scrgbClr r="0" g="0" b="0"/>
+      </a:lnRef>
+      <a:fillRef idx="0">
+        <a:scrgbClr r="0" g="0" b="0"/>
+      </a:fillRef>
+      <a:effectRef idx="0">
+        <a:scrgbClr r="0" g="0" b="0"/>
+      </a:effectRef>
+      <a:fontRef idx="minor"/>
+    </dgm:style>
+  </dgm:styleLbl>
+  <dgm:styleLbl name="parChTrans1D4">
+    <dgm:scene3d>
+      <a:camera prst="orthographicFront"/>
+      <a:lightRig rig="threePt" dir="t"/>
+    </dgm:scene3d>
+    <dgm:sp3d/>
+    <dgm:txPr/>
+    <dgm:style>
+      <a:lnRef idx="2">
+        <a:scrgbClr r="0" g="0" b="0"/>
+      </a:lnRef>
+      <a:fillRef idx="0">
+        <a:scrgbClr r="0" g="0" b="0"/>
+      </a:fillRef>
+      <a:effectRef idx="0">
+        <a:scrgbClr r="0" g="0" b="0"/>
+      </a:effectRef>
+      <a:fontRef idx="minor"/>
+    </dgm:style>
+  </dgm:styleLbl>
+  <dgm:styleLbl name="fgAcc1">
+    <dgm:scene3d>
+      <a:camera prst="orthographicFront"/>
+      <a:lightRig rig="threePt" dir="t"/>
+    </dgm:scene3d>
+    <dgm:sp3d/>
+    <dgm:txPr/>
+    <dgm:style>
+      <a:lnRef idx="2">
+        <a:scrgbClr r="0" g="0" b="0"/>
+      </a:lnRef>
+      <a:fillRef idx="1">
+        <a:scrgbClr r="0" g="0" b="0"/>
+      </a:fillRef>
+      <a:effectRef idx="0">
+        <a:scrgbClr r="0" g="0" b="0"/>
+      </a:effectRef>
+      <a:fontRef idx="minor"/>
+    </dgm:style>
+  </dgm:styleLbl>
+  <dgm:styleLbl name="conFgAcc1">
+    <dgm:scene3d>
+      <a:camera prst="orthographicFront"/>
+      <a:lightRig rig="threePt" dir="t"/>
+    </dgm:scene3d>
+    <dgm:sp3d/>
+    <dgm:txPr/>
+    <dgm:style>
+      <a:lnRef idx="2">
+        <a:scrgbClr r="0" g="0" b="0"/>
+      </a:lnRef>
+      <a:fillRef idx="1">
+        <a:scrgbClr r="0" g="0" b="0"/>
+      </a:fillRef>
+      <a:effectRef idx="0">
+        <a:scrgbClr r="0" g="0" b="0"/>
+      </a:effectRef>
+      <a:fontRef idx="minor"/>
+    </dgm:style>
+  </dgm:styleLbl>
+  <dgm:styleLbl name="alignAcc1">
+    <dgm:scene3d>
+      <a:camera prst="orthographicFront"/>
+      <a:lightRig rig="threePt" dir="t"/>
+    </dgm:scene3d>
+    <dgm:sp3d/>
+    <dgm:txPr/>
+    <dgm:style>
+      <a:lnRef idx="2">
+        <a:scrgbClr r="0" g="0" b="0"/>
+      </a:lnRef>
+      <a:fillRef idx="1">
+        <a:scrgbClr r="0" g="0" b="0"/>
+      </a:fillRef>
+      <a:effectRef idx="0">
+        <a:scrgbClr r="0" g="0" b="0"/>
+      </a:effectRef>
+      <a:fontRef idx="minor"/>
+    </dgm:style>
+  </dgm:styleLbl>
+  <dgm:styleLbl name="trAlignAcc1">
+    <dgm:scene3d>
+      <a:camera prst="orthographicFront"/>
+      <a:lightRig rig="threePt" dir="t"/>
+    </dgm:scene3d>
+    <dgm:sp3d/>
+    <dgm:txPr/>
+    <dgm:style>
+      <a:lnRef idx="1">
+        <a:scrgbClr r="0" g="0" b="0"/>
+      </a:lnRef>
+      <a:fillRef idx="1">
+        <a:scrgbClr r="0" g="0" b="0"/>
+      </a:fillRef>
+      <a:effectRef idx="0">
+        <a:scrgbClr r="0" g="0" b="0"/>
+      </a:effectRef>
+      <a:fontRef idx="minor"/>
+    </dgm:style>
+  </dgm:styleLbl>
+  <dgm:styleLbl name="bgAcc1">
+    <dgm:scene3d>
+      <a:camera prst="orthographicFront"/>
+      <a:lightRig rig="threePt" dir="t"/>
+    </dgm:scene3d>
+    <dgm:sp3d/>
+    <dgm:txPr/>
+    <dgm:style>
+      <a:lnRef idx="2">
+        <a:scrgbClr r="0" g="0" b="0"/>
+      </a:lnRef>
+      <a:fillRef idx="1">
+        <a:scrgbClr r="0" g="0" b="0"/>
+      </a:fillRef>
+      <a:effectRef idx="0">
+        <a:scrgbClr r="0" g="0" b="0"/>
+      </a:effectRef>
+      <a:fontRef idx="minor"/>
+    </dgm:style>
+  </dgm:styleLbl>
+  <dgm:styleLbl name="solidFgAcc1">
+    <dgm:scene3d>
+      <a:camera prst="orthographicFront"/>
+      <a:lightRig rig="threePt" dir="t"/>
+    </dgm:scene3d>
+    <dgm:sp3d/>
+    <dgm:txPr/>
+    <dgm:style>
+      <a:lnRef idx="2">
+        <a:scrgbClr r="0" g="0" b="0"/>
+      </a:lnRef>
+      <a:fillRef idx="1">
+        <a:scrgbClr r="0" g="0" b="0"/>
+      </a:fillRef>
+      <a:effectRef idx="0">
+        <a:scrgbClr r="0" g="0" b="0"/>
+      </a:effectRef>
+      <a:fontRef idx="minor"/>
+    </dgm:style>
+  </dgm:styleLbl>
+  <dgm:styleLbl name="solidAlignAcc1">
+    <dgm:scene3d>
+      <a:camera prst="orthographicFront"/>
+      <a:lightRig rig="threePt" dir="t"/>
+    </dgm:scene3d>
+    <dgm:sp3d/>
+    <dgm:txPr/>
+    <dgm:style>
+      <a:lnRef idx="2">
+        <a:scrgbClr r="0" g="0" b="0"/>
+      </a:lnRef>
+      <a:fillRef idx="1">
+        <a:scrgbClr r="0" g="0" b="0"/>
+      </a:fillRef>
+      <a:effectRef idx="0">
+        <a:scrgbClr r="0" g="0" b="0"/>
+      </a:effectRef>
+      <a:fontRef idx="minor"/>
+    </dgm:style>
+  </dgm:styleLbl>
+  <dgm:styleLbl name="solidBgAcc1">
+    <dgm:scene3d>
+      <a:camera prst="orthographicFront"/>
+      <a:lightRig rig="threePt" dir="t"/>
+    </dgm:scene3d>
+    <dgm:sp3d/>
+    <dgm:txPr/>
+    <dgm:style>
+      <a:lnRef idx="2">
+        <a:scrgbClr r="0" g="0" b="0"/>
+      </a:lnRef>
+      <a:fillRef idx="1">
+        <a:scrgbClr r="0" g="0" b="0"/>
+      </a:fillRef>
+      <a:effectRef idx="0">
+        <a:scrgbClr r="0" g="0" b="0"/>
+      </a:effectRef>
+      <a:fontRef idx="minor"/>
+    </dgm:style>
+  </dgm:styleLbl>
+  <dgm:styleLbl name="fgAccFollowNode1">
+    <dgm:scene3d>
+      <a:camera prst="orthographicFront"/>
+      <a:lightRig rig="threePt" dir="t"/>
+    </dgm:scene3d>
+    <dgm:sp3d/>
+    <dgm:txPr/>
+    <dgm:style>
+      <a:lnRef idx="2">
+        <a:scrgbClr r="0" g="0" b="0"/>
+      </a:lnRef>
+      <a:fillRef idx="1">
+        <a:scrgbClr r="0" g="0" b="0"/>
+      </a:fillRef>
+      <a:effectRef idx="0">
+        <a:scrgbClr r="0" g="0" b="0"/>
+      </a:effectRef>
+      <a:fontRef idx="minor"/>
+    </dgm:style>
+  </dgm:styleLbl>
+  <dgm:styleLbl name="alignAccFollowNode1">
+    <dgm:scene3d>
+      <a:camera prst="orthographicFront"/>
+      <a:lightRig rig="threePt" dir="t"/>
+    </dgm:scene3d>
+    <dgm:sp3d/>
+    <dgm:txPr/>
+    <dgm:style>
+      <a:lnRef idx="2">
+        <a:scrgbClr r="0" g="0" b="0"/>
+      </a:lnRef>
+      <a:fillRef idx="1">
+        <a:scrgbClr r="0" g="0" b="0"/>
+      </a:fillRef>
+      <a:effectRef idx="0">
+        <a:scrgbClr r="0" g="0" b="0"/>
+      </a:effectRef>
+      <a:fontRef idx="minor"/>
+    </dgm:style>
+  </dgm:styleLbl>
+  <dgm:styleLbl name="bgAccFollowNode1">
+    <dgm:scene3d>
+      <a:camera prst="orthographicFront"/>
+      <a:lightRig rig="threePt" dir="t"/>
+    </dgm:scene3d>
+    <dgm:sp3d/>
+    <dgm:txPr/>
+    <dgm:style>
+      <a:lnRef idx="2">
+        <a:scrgbClr r="0" g="0" b="0"/>
+      </a:lnRef>
+      <a:fillRef idx="1">
+        <a:scrgbClr r="0" g="0" b="0"/>
+      </a:fillRef>
+      <a:effectRef idx="0">
+        <a:scrgbClr r="0" g="0" b="0"/>
+      </a:effectRef>
+      <a:fontRef idx="minor"/>
+    </dgm:style>
+  </dgm:styleLbl>
+  <dgm:styleLbl name="fgAcc0">
+    <dgm:scene3d>
+      <a:camera prst="orthographicFront"/>
+      <a:lightRig rig="threePt" dir="t"/>
+    </dgm:scene3d>
+    <dgm:sp3d/>
+    <dgm:txPr/>
+    <dgm:style>
+      <a:lnRef idx="2">
+        <a:scrgbClr r="0" g="0" b="0"/>
+      </a:lnRef>
+      <a:fillRef idx="1">
+        <a:scrgbClr r="0" g="0" b="0"/>
+      </a:fillRef>
+      <a:effectRef idx="0">
+        <a:scrgbClr r="0" g="0" b="0"/>
+      </a:effectRef>
+      <a:fontRef idx="minor"/>
+    </dgm:style>
+  </dgm:styleLbl>
+  <dgm:styleLbl name="fgAcc2">
+    <dgm:scene3d>
+      <a:camera prst="orthographicFront"/>
+      <a:lightRig rig="threePt" dir="t"/>
+    </dgm:scene3d>
+    <dgm:sp3d/>
+    <dgm:txPr/>
+    <dgm:style>
+      <a:lnRef idx="2">
+        <a:scrgbClr r="0" g="0" b="0"/>
+      </a:lnRef>
+      <a:fillRef idx="1">
+        <a:scrgbClr r="0" g="0" b="0"/>
+      </a:fillRef>
+      <a:effectRef idx="0">
+        <a:scrgbClr r="0" g="0" b="0"/>
+      </a:effectRef>
+      <a:fontRef idx="minor"/>
+    </dgm:style>
+  </dgm:styleLbl>
+  <dgm:styleLbl name="fgAcc3">
+    <dgm:scene3d>
+      <a:camera prst="orthographicFront"/>
+      <a:lightRig rig="threePt" dir="t"/>
+    </dgm:scene3d>
+    <dgm:sp3d/>
+    <dgm:txPr/>
+    <dgm:style>
+      <a:lnRef idx="2">
+        <a:scrgbClr r="0" g="0" b="0"/>
+      </a:lnRef>
+      <a:fillRef idx="1">
+        <a:scrgbClr r="0" g="0" b="0"/>
+      </a:fillRef>
+      <a:effectRef idx="0">
+        <a:scrgbClr r="0" g="0" b="0"/>
+      </a:effectRef>
+      <a:fontRef idx="minor"/>
+    </dgm:style>
+  </dgm:styleLbl>
+  <dgm:styleLbl name="fgAcc4">
+    <dgm:scene3d>
+      <a:camera prst="orthographicFront"/>
+      <a:lightRig rig="threePt" dir="t"/>
+    </dgm:scene3d>
+    <dgm:sp3d/>
+    <dgm:txPr/>
+    <dgm:style>
+      <a:lnRef idx="2">
+        <a:scrgbClr r="0" g="0" b="0"/>
+      </a:lnRef>
+      <a:fillRef idx="1">
+        <a:scrgbClr r="0" g="0" b="0"/>
+      </a:fillRef>
+      <a:effectRef idx="0">
+        <a:scrgbClr r="0" g="0" b="0"/>
+      </a:effectRef>
+      <a:fontRef idx="minor"/>
+    </dgm:style>
+  </dgm:styleLbl>
+  <dgm:styleLbl name="bgShp">
+    <dgm:scene3d>
+      <a:camera prst="orthographicFront"/>
+      <a:lightRig rig="threePt" dir="t"/>
+    </dgm:scene3d>
+    <dgm:sp3d/>
+    <dgm:txPr/>
+    <dgm:style>
+      <a:lnRef idx="0">
+        <a:scrgbClr r="0" g="0" b="0"/>
+      </a:lnRef>
+      <a:fillRef idx="1">
+        <a:scrgbClr r="0" g="0" b="0"/>
+      </a:fillRef>
+      <a:effectRef idx="0">
+        <a:scrgbClr r="0" g="0" b="0"/>
+      </a:effectRef>
+      <a:fontRef idx="minor"/>
+    </dgm:style>
+  </dgm:styleLbl>
+  <dgm:styleLbl name="dkBgShp">
+    <dgm:scene3d>
+      <a:camera prst="orthographicFront"/>
+      <a:lightRig rig="threePt" dir="t"/>
+    </dgm:scene3d>
+    <dgm:sp3d/>
+    <dgm:txPr/>
+    <dgm:style>
+      <a:lnRef idx="0">
+        <a:scrgbClr r="0" g="0" b="0"/>
+      </a:lnRef>
+      <a:fillRef idx="1">
+        <a:scrgbClr r="0" g="0" b="0"/>
+      </a:fillRef>
+      <a:effectRef idx="0">
+        <a:scrgbClr r="0" g="0" b="0"/>
+      </a:effectRef>
+      <a:fontRef idx="minor"/>
+    </dgm:style>
+  </dgm:styleLbl>
+  <dgm:styleLbl name="trBgShp">
+    <dgm:scene3d>
+      <a:camera prst="orthographicFront"/>
+      <a:lightRig rig="threePt" dir="t"/>
+    </dgm:scene3d>
+    <dgm:sp3d/>
+    <dgm:txPr/>
+    <dgm:style>
+      <a:lnRef idx="0">
+        <a:scrgbClr r="0" g="0" b="0"/>
+      </a:lnRef>
+      <a:fillRef idx="1">
+        <a:scrgbClr r="0" g="0" b="0"/>
+      </a:fillRef>
+      <a:effectRef idx="0">
+        <a:scrgbClr r="0" g="0" b="0"/>
+      </a:effectRef>
+      <a:fontRef idx="minor"/>
+    </dgm:style>
+  </dgm:styleLbl>
+  <dgm:styleLbl name="fgShp">
+    <dgm:scene3d>
+      <a:camera prst="orthographicFront"/>
+      <a:lightRig rig="threePt" dir="t"/>
+    </dgm:scene3d>
+    <dgm:sp3d/>
+    <dgm:txPr/>
+    <dgm:style>
+      <a:lnRef idx="2">
+        <a:scrgbClr r="0" g="0" b="0"/>
+      </a:lnRef>
+      <a:fillRef idx="1">
+        <a:scrgbClr r="0" g="0" b="0"/>
+      </a:fillRef>
+      <a:effectRef idx="0">
+        <a:scrgbClr r="0" g="0" b="0"/>
+      </a:effectRef>
+      <a:fontRef idx="minor"/>
+    </dgm:style>
+  </dgm:styleLbl>
+  <dgm:styleLbl name="revTx">
+    <dgm:scene3d>
+      <a:camera prst="orthographicFront"/>
+      <a:lightRig rig="threePt" dir="t"/>
+    </dgm:scene3d>
+    <dgm:sp3d/>
+    <dgm:txPr/>
+    <dgm:style>
+      <a:lnRef idx="0">
+        <a:scrgbClr r="0" g="0" b="0"/>
+      </a:lnRef>
+      <a:fillRef idx="0">
+        <a:scrgbClr r="0" g="0" b="0"/>
+      </a:fillRef>
+      <a:effectRef idx="0">
+        <a:scrgbClr r="0" g="0" b="0"/>
+      </a:effectRef>
+      <a:fontRef idx="minor"/>
+    </dgm:style>
+  </dgm:styleLbl>
+</dgm:styleDef>
+</file>
+
 <file path=ppt/handoutMasters/handoutMaster1.xml><?xml version="1.0" encoding="utf-8"?>
 <p:handoutMaster xmlns:a="http://schemas.openxmlformats.org/drawingml/2006/main" xmlns:r="http://schemas.openxmlformats.org/officeDocument/2006/relationships" xmlns:p="http://schemas.openxmlformats.org/presentationml/2006/main">
   <p:cSld>
@@ -274,7 +3144,7 @@
               <a:rPr lang="en-US" smtClean="0">
                 <a:latin typeface="Segoe UI" pitchFamily="34" charset="0"/>
               </a:rPr>
-              <a:t>6/1/2017 6:48 PM</a:t>
+              <a:t>6/4/2017 1:56 AM</a:t>
             </a:fld>
             <a:endParaRPr lang="en-US" dirty="0">
               <a:latin typeface="Segoe UI" pitchFamily="34" charset="0"/>
@@ -552,7 +3422,7 @@
           <a:p>
             <a:fld id="{5A9E72A3-73C3-4EC0-976B-555052BC0BC2}" type="datetime8">
               <a:rPr lang="en-US" smtClean="0"/>
-              <a:t>6/1/2017 6:48 PM</a:t>
+              <a:t>6/4/2017 1:56 AM</a:t>
             </a:fld>
             <a:endParaRPr lang="en-US" dirty="0"/>
           </a:p>
@@ -958,7 +3828,7 @@
                 <a:tabLst/>
                 <a:defRPr/>
               </a:pPr>
-              <a:t>6/1/2017 6:48 PM</a:t>
+              <a:t>6/4/2017 1:56 AM</a:t>
             </a:fld>
             <a:endParaRPr kumimoji="0" lang="en-US" sz="1200" b="0" i="0" u="none" strike="noStrike" kern="1200" cap="none" spc="0" normalizeH="0" baseline="0" noProof="0" dirty="0">
               <a:ln>
@@ -1316,7 +4186,7 @@
                 <a:tabLst/>
                 <a:defRPr/>
               </a:pPr>
-              <a:t>6/1/2017 6:48 PM</a:t>
+              <a:t>6/4/2017 1:56 AM</a:t>
             </a:fld>
             <a:endParaRPr kumimoji="0" lang="en-US" sz="1200" b="0" i="0" u="none" strike="noStrike" kern="1200" cap="none" spc="0" normalizeH="0" baseline="0" noProof="0" dirty="0">
               <a:ln>
@@ -1689,7 +4559,7 @@
                 <a:tabLst/>
                 <a:defRPr/>
               </a:pPr>
-              <a:t>6/1/2017 6:48 PM</a:t>
+              <a:t>6/4/2017 1:56 AM</a:t>
             </a:fld>
             <a:endParaRPr kumimoji="0" lang="en-US" sz="1200" b="0" i="0" u="none" strike="noStrike" kern="1200" cap="none" spc="0" normalizeH="0" baseline="0" noProof="0" dirty="0">
               <a:ln>
@@ -14618,7 +17488,10 @@
           <a:bodyPr/>
           <a:lstStyle/>
           <a:p>
-            <a:endParaRPr lang="en-US" dirty="0"/>
+            <a:r>
+              <a:rPr lang="en-US" dirty="0"/>
+              <a:t>HOL Teams</a:t>
+            </a:r>
           </a:p>
         </p:txBody>
       </p:sp>
@@ -14814,48 +17687,37 @@
           <a:p>
             <a:r>
               <a:rPr lang="en-US" dirty="0"/>
-              <a:t>Links</a:t>
+              <a:t>HOL Teams</a:t>
             </a:r>
           </a:p>
         </p:txBody>
       </p:sp>
-      <p:sp>
-        <p:nvSpPr>
-          <p:cNvPr id="3" name="Text Placeholder 2"/>
-          <p:cNvSpPr>
-            <a:spLocks noGrp="1"/>
-          </p:cNvSpPr>
+      <p:graphicFrame>
+        <p:nvGraphicFramePr>
+          <p:cNvPr id="4" name="Diagram 3"/>
+          <p:cNvGraphicFramePr/>
           <p:nvPr>
-            <p:ph type="body" sz="quarter" idx="10"/>
+            <p:extLst>
+              <p:ext uri="{D42A27DB-BD31-4B8C-83A1-F6EECF244321}">
+                <p14:modId xmlns:p14="http://schemas.microsoft.com/office/powerpoint/2010/main" val="3245165508"/>
+              </p:ext>
+            </p:extLst>
           </p:nvPr>
-        </p:nvSpPr>
-        <p:spPr>
-          <a:xfrm>
-            <a:off x="274638" y="1212850"/>
-            <a:ext cx="11887200" cy="1969770"/>
-          </a:xfrm>
-        </p:spPr>
-        <p:txBody>
-          <a:bodyPr/>
-          <a:lstStyle/>
-          <a:p>
-            <a:r>
-              <a:rPr lang="en-US" dirty="0">
-                <a:hlinkClick r:id="rId2"/>
-              </a:rPr>
-              <a:t>https://msdn.microsoft.com/en-us/microsoft-teams/teamsapps</a:t>
-            </a:r>
-            <a:endParaRPr lang="en-US" dirty="0"/>
-          </a:p>
-          <a:p>
-            <a:endParaRPr lang="en-US" dirty="0"/>
-          </a:p>
-        </p:txBody>
-      </p:sp>
+        </p:nvGraphicFramePr>
+        <p:xfrm>
+          <a:off x="731837" y="1212849"/>
+          <a:ext cx="10972801" cy="5027613"/>
+        </p:xfrm>
+        <a:graphic>
+          <a:graphicData uri="http://schemas.openxmlformats.org/drawingml/2006/diagram">
+            <dgm:relIds xmlns:dgm="http://schemas.openxmlformats.org/drawingml/2006/diagram" xmlns:r="http://schemas.openxmlformats.org/officeDocument/2006/relationships" r:dm="rId2" r:lo="rId3" r:qs="rId4" r:cs="rId5"/>
+          </a:graphicData>
+        </a:graphic>
+      </p:graphicFrame>
     </p:spTree>
     <p:extLst>
       <p:ext uri="{BB962C8B-B14F-4D97-AF65-F5344CB8AC3E}">
-        <p14:creationId xmlns:p14="http://schemas.microsoft.com/office/powerpoint/2010/main" val="2139495807"/>
+        <p14:creationId xmlns:p14="http://schemas.microsoft.com/office/powerpoint/2010/main" val="454006935"/>
       </p:ext>
     </p:extLst>
   </p:cSld>
@@ -14901,12 +17763,8 @@
           <a:lstStyle/>
           <a:p>
             <a:r>
-              <a:rPr lang="en-US" dirty="0" err="1"/>
-              <a:t>Sideloading</a:t>
-            </a:r>
-            <a:r>
               <a:rPr lang="en-US" dirty="0"/>
-              <a:t> your app in a team</a:t>
+              <a:t>Links</a:t>
             </a:r>
           </a:p>
         </p:txBody>
@@ -14921,10 +17779,24 @@
             <p:ph type="body" sz="quarter" idx="10"/>
           </p:nvPr>
         </p:nvSpPr>
-        <p:spPr/>
+        <p:spPr>
+          <a:xfrm>
+            <a:off x="274638" y="1212850"/>
+            <a:ext cx="11887200" cy="1969770"/>
+          </a:xfrm>
+        </p:spPr>
         <p:txBody>
           <a:bodyPr/>
           <a:lstStyle/>
+          <a:p>
+            <a:r>
+              <a:rPr lang="en-US" dirty="0">
+                <a:hlinkClick r:id="rId2"/>
+              </a:rPr>
+              <a:t>https://msdn.microsoft.com/en-us/microsoft-teams/teamsapps</a:t>
+            </a:r>
+            <a:endParaRPr lang="en-US" dirty="0"/>
+          </a:p>
           <a:p>
             <a:endParaRPr lang="en-US" dirty="0"/>
           </a:p>
@@ -14933,7 +17805,7 @@
     </p:spTree>
     <p:extLst>
       <p:ext uri="{BB962C8B-B14F-4D97-AF65-F5344CB8AC3E}">
-        <p14:creationId xmlns:p14="http://schemas.microsoft.com/office/powerpoint/2010/main" val="2823141250"/>
+        <p14:creationId xmlns:p14="http://schemas.microsoft.com/office/powerpoint/2010/main" val="2139495807"/>
       </p:ext>
     </p:extLst>
   </p:cSld>
@@ -16238,6 +19110,21 @@
 </file>
 
 <file path=customXml/item1.xml><?xml version="1.0" encoding="utf-8"?>
+<p:properties xmlns:p="http://schemas.microsoft.com/office/2006/metadata/properties" xmlns:xsi="http://www.w3.org/2001/XMLSchema-instance" xmlns:pc="http://schemas.microsoft.com/office/infopath/2007/PartnerControls">
+  <documentManagement/>
+</p:properties>
+</file>
+
+<file path=customXml/item2.xml><?xml version="1.0" encoding="utf-8"?>
+<?mso-contentType ?>
+<FormTemplates xmlns="http://schemas.microsoft.com/sharepoint/v3/contenttype/forms">
+  <Display>DocumentLibraryForm</Display>
+  <Edit>DocumentLibraryForm</Edit>
+  <New>DocumentLibraryForm</New>
+</FormTemplates>
+</file>
+
+<file path=customXml/item3.xml><?xml version="1.0" encoding="utf-8"?>
 <ct:contentTypeSchema xmlns:ct="http://schemas.microsoft.com/office/2006/metadata/contentType" xmlns:ma="http://schemas.microsoft.com/office/2006/metadata/properties/metaAttributes" ct:_="" ma:_="" ma:contentTypeName="Document" ma:contentTypeID="0x010100A2B0BB5962AB3C45A9A1CE1EC4C4F647" ma:contentTypeVersion="3" ma:contentTypeDescription="Create a new document." ma:contentTypeScope="" ma:versionID="f0876370c90de824ab54c09b0bd2a056">
   <xsd:schema xmlns:xsd="http://www.w3.org/2001/XMLSchema" xmlns:xs="http://www.w3.org/2001/XMLSchema" xmlns:p="http://schemas.microsoft.com/office/2006/metadata/properties" xmlns:ns3="630a2e83-186a-4a0f-ab27-bee8a8096abc" targetNamespace="http://schemas.microsoft.com/office/2006/metadata/properties" ma:root="true" ma:fieldsID="a2a3b5ed8b4accd7c8a398d0cb075271" ns3:_="">
     <xsd:import namespace="630a2e83-186a-4a0f-ab27-bee8a8096abc"/>
@@ -16391,22 +19278,31 @@
 </ct:contentTypeSchema>
 </file>
 
-<file path=customXml/item2.xml><?xml version="1.0" encoding="utf-8"?>
-<?mso-contentType ?>
-<FormTemplates xmlns="http://schemas.microsoft.com/sharepoint/v3/contenttype/forms">
-  <Display>DocumentLibraryForm</Display>
-  <Edit>DocumentLibraryForm</Edit>
-  <New>DocumentLibraryForm</New>
-</FormTemplates>
+<file path=customXml/itemProps1.xml><?xml version="1.0" encoding="utf-8"?>
+<ds:datastoreItem xmlns:ds="http://schemas.openxmlformats.org/officeDocument/2006/customXml" ds:itemID="{F990F116-B58F-4255-B05B-DA3808E0E5C6}">
+  <ds:schemaRefs>
+    <ds:schemaRef ds:uri="http://schemas.microsoft.com/office/2006/metadata/properties"/>
+    <ds:schemaRef ds:uri="http://purl.org/dc/terms/"/>
+    <ds:schemaRef ds:uri="http://schemas.openxmlformats.org/package/2006/metadata/core-properties"/>
+    <ds:schemaRef ds:uri="630a2e83-186a-4a0f-ab27-bee8a8096abc"/>
+    <ds:schemaRef ds:uri="http://schemas.microsoft.com/office/2006/documentManagement/types"/>
+    <ds:schemaRef ds:uri="http://schemas.microsoft.com/office/infopath/2007/PartnerControls"/>
+    <ds:schemaRef ds:uri="http://purl.org/dc/elements/1.1/"/>
+    <ds:schemaRef ds:uri="http://www.w3.org/XML/1998/namespace"/>
+    <ds:schemaRef ds:uri="http://purl.org/dc/dcmitype/"/>
+  </ds:schemaRefs>
+</ds:datastoreItem>
 </file>
 
-<file path=customXml/item3.xml><?xml version="1.0" encoding="utf-8"?>
-<p:properties xmlns:p="http://schemas.microsoft.com/office/2006/metadata/properties" xmlns:xsi="http://www.w3.org/2001/XMLSchema-instance" xmlns:pc="http://schemas.microsoft.com/office/infopath/2007/PartnerControls">
-  <documentManagement/>
-</p:properties>
+<file path=customXml/itemProps2.xml><?xml version="1.0" encoding="utf-8"?>
+<ds:datastoreItem xmlns:ds="http://schemas.openxmlformats.org/officeDocument/2006/customXml" ds:itemID="{758FDAC0-319D-4A54-8D8E-1D42CB1F8004}">
+  <ds:schemaRefs>
+    <ds:schemaRef ds:uri="http://schemas.microsoft.com/sharepoint/v3/contenttype/forms"/>
+  </ds:schemaRefs>
+</ds:datastoreItem>
 </file>
 
-<file path=customXml/itemProps1.xml><?xml version="1.0" encoding="utf-8"?>
+<file path=customXml/itemProps3.xml><?xml version="1.0" encoding="utf-8"?>
 <ds:datastoreItem xmlns:ds="http://schemas.openxmlformats.org/officeDocument/2006/customXml" ds:itemID="{F4553072-E538-48C4-90FC-3653F32D67C5}">
   <ds:schemaRefs>
     <ds:schemaRef ds:uri="http://schemas.microsoft.com/office/2006/metadata/contentType"/>
@@ -16422,28 +19318,4 @@
     <ds:schemaRef ds:uri="http://schemas.microsoft.com/internal/obd"/>
   </ds:schemaRefs>
 </ds:datastoreItem>
-</file>
-
-<file path=customXml/itemProps2.xml><?xml version="1.0" encoding="utf-8"?>
-<ds:datastoreItem xmlns:ds="http://schemas.openxmlformats.org/officeDocument/2006/customXml" ds:itemID="{758FDAC0-319D-4A54-8D8E-1D42CB1F8004}">
-  <ds:schemaRefs>
-    <ds:schemaRef ds:uri="http://schemas.microsoft.com/sharepoint/v3/contenttype/forms"/>
-  </ds:schemaRefs>
-</ds:datastoreItem>
-</file>
-
-<file path=customXml/itemProps3.xml><?xml version="1.0" encoding="utf-8"?>
-<ds:datastoreItem xmlns:ds="http://schemas.openxmlformats.org/officeDocument/2006/customXml" ds:itemID="{F990F116-B58F-4255-B05B-DA3808E0E5C6}">
-  <ds:schemaRefs>
-    <ds:schemaRef ds:uri="http://schemas.microsoft.com/office/2006/metadata/properties"/>
-    <ds:schemaRef ds:uri="http://purl.org/dc/terms/"/>
-    <ds:schemaRef ds:uri="http://schemas.openxmlformats.org/package/2006/metadata/core-properties"/>
-    <ds:schemaRef ds:uri="630a2e83-186a-4a0f-ab27-bee8a8096abc"/>
-    <ds:schemaRef ds:uri="http://schemas.microsoft.com/office/2006/documentManagement/types"/>
-    <ds:schemaRef ds:uri="http://schemas.microsoft.com/office/infopath/2007/PartnerControls"/>
-    <ds:schemaRef ds:uri="http://purl.org/dc/elements/1.1/"/>
-    <ds:schemaRef ds:uri="http://www.w3.org/XML/1998/namespace"/>
-    <ds:schemaRef ds:uri="http://purl.org/dc/dcmitype/"/>
-  </ds:schemaRefs>
-</ds:datastoreItem>
 </file>